--- a/figures/fig3/fig3.pptx
+++ b/figures/fig3/fig3.pptx
@@ -104,6 +104,11 @@
       </a:defRPr>
     </a:lvl9pPr>
   </p:defaultTextStyle>
+  <p:extLst>
+    <p:ext uri="{EFAFB233-063F-42B5-8137-9DF3F51BA10A}">
+      <p15:sldGuideLst xmlns:p15="http://schemas.microsoft.com/office/powerpoint/2012/main"/>
+    </p:ext>
+  </p:extLst>
 </p:presentation>
 </file>
 
@@ -254,7 +259,7 @@
           <a:p>
             <a:fld id="{AA95675E-B4AB-B541-84F6-0480D90FD418}" type="datetimeFigureOut">
               <a:rPr lang="en-US" smtClean="0"/>
-              <a:t>12/1/21</a:t>
+              <a:t>8/30/22</a:t>
             </a:fld>
             <a:endParaRPr lang="en-US"/>
           </a:p>
@@ -452,7 +457,7 @@
           <a:p>
             <a:fld id="{AA95675E-B4AB-B541-84F6-0480D90FD418}" type="datetimeFigureOut">
               <a:rPr lang="en-US" smtClean="0"/>
-              <a:t>12/1/21</a:t>
+              <a:t>8/30/22</a:t>
             </a:fld>
             <a:endParaRPr lang="en-US"/>
           </a:p>
@@ -660,7 +665,7 @@
           <a:p>
             <a:fld id="{AA95675E-B4AB-B541-84F6-0480D90FD418}" type="datetimeFigureOut">
               <a:rPr lang="en-US" smtClean="0"/>
-              <a:t>12/1/21</a:t>
+              <a:t>8/30/22</a:t>
             </a:fld>
             <a:endParaRPr lang="en-US"/>
           </a:p>
@@ -858,7 +863,7 @@
           <a:p>
             <a:fld id="{AA95675E-B4AB-B541-84F6-0480D90FD418}" type="datetimeFigureOut">
               <a:rPr lang="en-US" smtClean="0"/>
-              <a:t>12/1/21</a:t>
+              <a:t>8/30/22</a:t>
             </a:fld>
             <a:endParaRPr lang="en-US"/>
           </a:p>
@@ -1133,7 +1138,7 @@
           <a:p>
             <a:fld id="{AA95675E-B4AB-B541-84F6-0480D90FD418}" type="datetimeFigureOut">
               <a:rPr lang="en-US" smtClean="0"/>
-              <a:t>12/1/21</a:t>
+              <a:t>8/30/22</a:t>
             </a:fld>
             <a:endParaRPr lang="en-US"/>
           </a:p>
@@ -1398,7 +1403,7 @@
           <a:p>
             <a:fld id="{AA95675E-B4AB-B541-84F6-0480D90FD418}" type="datetimeFigureOut">
               <a:rPr lang="en-US" smtClean="0"/>
-              <a:t>12/1/21</a:t>
+              <a:t>8/30/22</a:t>
             </a:fld>
             <a:endParaRPr lang="en-US"/>
           </a:p>
@@ -1810,7 +1815,7 @@
           <a:p>
             <a:fld id="{AA95675E-B4AB-B541-84F6-0480D90FD418}" type="datetimeFigureOut">
               <a:rPr lang="en-US" smtClean="0"/>
-              <a:t>12/1/21</a:t>
+              <a:t>8/30/22</a:t>
             </a:fld>
             <a:endParaRPr lang="en-US"/>
           </a:p>
@@ -1951,7 +1956,7 @@
           <a:p>
             <a:fld id="{AA95675E-B4AB-B541-84F6-0480D90FD418}" type="datetimeFigureOut">
               <a:rPr lang="en-US" smtClean="0"/>
-              <a:t>12/1/21</a:t>
+              <a:t>8/30/22</a:t>
             </a:fld>
             <a:endParaRPr lang="en-US"/>
           </a:p>
@@ -2064,7 +2069,7 @@
           <a:p>
             <a:fld id="{AA95675E-B4AB-B541-84F6-0480D90FD418}" type="datetimeFigureOut">
               <a:rPr lang="en-US" smtClean="0"/>
-              <a:t>12/1/21</a:t>
+              <a:t>8/30/22</a:t>
             </a:fld>
             <a:endParaRPr lang="en-US"/>
           </a:p>
@@ -2375,7 +2380,7 @@
           <a:p>
             <a:fld id="{AA95675E-B4AB-B541-84F6-0480D90FD418}" type="datetimeFigureOut">
               <a:rPr lang="en-US" smtClean="0"/>
-              <a:t>12/1/21</a:t>
+              <a:t>8/30/22</a:t>
             </a:fld>
             <a:endParaRPr lang="en-US"/>
           </a:p>
@@ -2663,7 +2668,7 @@
           <a:p>
             <a:fld id="{AA95675E-B4AB-B541-84F6-0480D90FD418}" type="datetimeFigureOut">
               <a:rPr lang="en-US" smtClean="0"/>
-              <a:t>12/1/21</a:t>
+              <a:t>8/30/22</a:t>
             </a:fld>
             <a:endParaRPr lang="en-US"/>
           </a:p>
@@ -2904,7 +2909,7 @@
           <a:p>
             <a:fld id="{AA95675E-B4AB-B541-84F6-0480D90FD418}" type="datetimeFigureOut">
               <a:rPr lang="en-US" smtClean="0"/>
-              <a:t>12/1/21</a:t>
+              <a:t>8/30/22</a:t>
             </a:fld>
             <a:endParaRPr lang="en-US"/>
           </a:p>
@@ -3321,12 +3326,48 @@
           <a:chExt cx="0" cy="0"/>
         </a:xfrm>
       </p:grpSpPr>
+      <p:sp>
+        <p:nvSpPr>
+          <p:cNvPr id="2" name="TextBox 1">
+            <a:extLst>
+              <a:ext uri="{FF2B5EF4-FFF2-40B4-BE49-F238E27FC236}">
+                <a16:creationId xmlns:a16="http://schemas.microsoft.com/office/drawing/2014/main" id="{EFE8C1FF-801C-2DD7-8251-AE1D0A7F21B6}"/>
+              </a:ext>
+            </a:extLst>
+          </p:cNvPr>
+          <p:cNvSpPr txBox="1"/>
+          <p:nvPr/>
+        </p:nvSpPr>
+        <p:spPr>
+          <a:xfrm>
+            <a:off x="6096000" y="6581001"/>
+            <a:ext cx="2754086" cy="276999"/>
+          </a:xfrm>
+          <a:prstGeom prst="rect">
+            <a:avLst/>
+          </a:prstGeom>
+          <a:noFill/>
+        </p:spPr>
+        <p:txBody>
+          <a:bodyPr wrap="square" rtlCol="0">
+            <a:spAutoFit/>
+          </a:bodyPr>
+          <a:lstStyle/>
+          <a:p>
+            <a:pPr algn="ctr"/>
+            <a:r>
+              <a:rPr lang="en-US" sz="1200" dirty="0"/>
+              <a:t>Tip Rate</a:t>
+            </a:r>
+          </a:p>
+        </p:txBody>
+      </p:sp>
       <p:pic>
         <p:nvPicPr>
-          <p:cNvPr id="5" name="Picture 4">
-            <a:extLst>
-              <a:ext uri="{FF2B5EF4-FFF2-40B4-BE49-F238E27FC236}">
-                <a16:creationId xmlns:a16="http://schemas.microsoft.com/office/drawing/2014/main" id="{23E3223F-646B-6544-A201-471A53FF9C64}"/>
+          <p:cNvPr id="4" name="Picture 3">
+            <a:extLst>
+              <a:ext uri="{FF2B5EF4-FFF2-40B4-BE49-F238E27FC236}">
+                <a16:creationId xmlns:a16="http://schemas.microsoft.com/office/drawing/2014/main" id="{59175884-C9CE-D096-7EC9-232E909881AE}"/>
               </a:ext>
             </a:extLst>
           </p:cNvPr>
@@ -3337,13 +3378,13 @@
         </p:nvPicPr>
         <p:blipFill rotWithShape="1">
           <a:blip r:embed="rId2"/>
-          <a:srcRect r="7210"/>
+          <a:srcRect l="6547" t="3138"/>
           <a:stretch/>
         </p:blipFill>
         <p:spPr>
           <a:xfrm>
-            <a:off x="218945" y="0"/>
-            <a:ext cx="4917259" cy="6858000"/>
+            <a:off x="5027675" y="-43544"/>
+            <a:ext cx="8729095" cy="7238075"/>
           </a:xfrm>
           <a:prstGeom prst="rect">
             <a:avLst/>
@@ -3352,10 +3393,10 @@
       </p:pic>
       <p:pic>
         <p:nvPicPr>
-          <p:cNvPr id="10" name="Picture 9">
-            <a:extLst>
-              <a:ext uri="{FF2B5EF4-FFF2-40B4-BE49-F238E27FC236}">
-                <a16:creationId xmlns:a16="http://schemas.microsoft.com/office/drawing/2014/main" id="{E3648DFB-E4D7-1D47-9CA8-367EC54B0AF4}"/>
+          <p:cNvPr id="5" name="Picture 4">
+            <a:extLst>
+              <a:ext uri="{FF2B5EF4-FFF2-40B4-BE49-F238E27FC236}">
+                <a16:creationId xmlns:a16="http://schemas.microsoft.com/office/drawing/2014/main" id="{23E3223F-646B-6544-A201-471A53FF9C64}"/>
               </a:ext>
             </a:extLst>
           </p:cNvPr>
@@ -3366,13 +3407,13 @@
         </p:nvPicPr>
         <p:blipFill rotWithShape="1">
           <a:blip r:embed="rId3"/>
-          <a:srcRect l="8882"/>
+          <a:srcRect r="7210" b="7143"/>
           <a:stretch/>
         </p:blipFill>
         <p:spPr>
           <a:xfrm>
-            <a:off x="5116748" y="-14591"/>
-            <a:ext cx="4828677" cy="6892047"/>
+            <a:off x="218945" y="0"/>
+            <a:ext cx="4917259" cy="6368143"/>
           </a:xfrm>
           <a:prstGeom prst="rect">
             <a:avLst/>

--- a/figures/fig3/fig3.pptx
+++ b/figures/fig3/fig3.pptx
@@ -259,7 +259,7 @@
           <a:p>
             <a:fld id="{AA95675E-B4AB-B541-84F6-0480D90FD418}" type="datetimeFigureOut">
               <a:rPr lang="en-US" smtClean="0"/>
-              <a:t>8/30/22</a:t>
+              <a:t>9/12/22</a:t>
             </a:fld>
             <a:endParaRPr lang="en-US"/>
           </a:p>
@@ -457,7 +457,7 @@
           <a:p>
             <a:fld id="{AA95675E-B4AB-B541-84F6-0480D90FD418}" type="datetimeFigureOut">
               <a:rPr lang="en-US" smtClean="0"/>
-              <a:t>8/30/22</a:t>
+              <a:t>9/12/22</a:t>
             </a:fld>
             <a:endParaRPr lang="en-US"/>
           </a:p>
@@ -665,7 +665,7 @@
           <a:p>
             <a:fld id="{AA95675E-B4AB-B541-84F6-0480D90FD418}" type="datetimeFigureOut">
               <a:rPr lang="en-US" smtClean="0"/>
-              <a:t>8/30/22</a:t>
+              <a:t>9/12/22</a:t>
             </a:fld>
             <a:endParaRPr lang="en-US"/>
           </a:p>
@@ -863,7 +863,7 @@
           <a:p>
             <a:fld id="{AA95675E-B4AB-B541-84F6-0480D90FD418}" type="datetimeFigureOut">
               <a:rPr lang="en-US" smtClean="0"/>
-              <a:t>8/30/22</a:t>
+              <a:t>9/12/22</a:t>
             </a:fld>
             <a:endParaRPr lang="en-US"/>
           </a:p>
@@ -1138,7 +1138,7 @@
           <a:p>
             <a:fld id="{AA95675E-B4AB-B541-84F6-0480D90FD418}" type="datetimeFigureOut">
               <a:rPr lang="en-US" smtClean="0"/>
-              <a:t>8/30/22</a:t>
+              <a:t>9/12/22</a:t>
             </a:fld>
             <a:endParaRPr lang="en-US"/>
           </a:p>
@@ -1403,7 +1403,7 @@
           <a:p>
             <a:fld id="{AA95675E-B4AB-B541-84F6-0480D90FD418}" type="datetimeFigureOut">
               <a:rPr lang="en-US" smtClean="0"/>
-              <a:t>8/30/22</a:t>
+              <a:t>9/12/22</a:t>
             </a:fld>
             <a:endParaRPr lang="en-US"/>
           </a:p>
@@ -1815,7 +1815,7 @@
           <a:p>
             <a:fld id="{AA95675E-B4AB-B541-84F6-0480D90FD418}" type="datetimeFigureOut">
               <a:rPr lang="en-US" smtClean="0"/>
-              <a:t>8/30/22</a:t>
+              <a:t>9/12/22</a:t>
             </a:fld>
             <a:endParaRPr lang="en-US"/>
           </a:p>
@@ -1956,7 +1956,7 @@
           <a:p>
             <a:fld id="{AA95675E-B4AB-B541-84F6-0480D90FD418}" type="datetimeFigureOut">
               <a:rPr lang="en-US" smtClean="0"/>
-              <a:t>8/30/22</a:t>
+              <a:t>9/12/22</a:t>
             </a:fld>
             <a:endParaRPr lang="en-US"/>
           </a:p>
@@ -2069,7 +2069,7 @@
           <a:p>
             <a:fld id="{AA95675E-B4AB-B541-84F6-0480D90FD418}" type="datetimeFigureOut">
               <a:rPr lang="en-US" smtClean="0"/>
-              <a:t>8/30/22</a:t>
+              <a:t>9/12/22</a:t>
             </a:fld>
             <a:endParaRPr lang="en-US"/>
           </a:p>
@@ -2380,7 +2380,7 @@
           <a:p>
             <a:fld id="{AA95675E-B4AB-B541-84F6-0480D90FD418}" type="datetimeFigureOut">
               <a:rPr lang="en-US" smtClean="0"/>
-              <a:t>8/30/22</a:t>
+              <a:t>9/12/22</a:t>
             </a:fld>
             <a:endParaRPr lang="en-US"/>
           </a:p>
@@ -2668,7 +2668,7 @@
           <a:p>
             <a:fld id="{AA95675E-B4AB-B541-84F6-0480D90FD418}" type="datetimeFigureOut">
               <a:rPr lang="en-US" smtClean="0"/>
-              <a:t>8/30/22</a:t>
+              <a:t>9/12/22</a:t>
             </a:fld>
             <a:endParaRPr lang="en-US"/>
           </a:p>
@@ -2909,7 +2909,7 @@
           <a:p>
             <a:fld id="{AA95675E-B4AB-B541-84F6-0480D90FD418}" type="datetimeFigureOut">
               <a:rPr lang="en-US" smtClean="0"/>
-              <a:t>8/30/22</a:t>
+              <a:t>9/12/22</a:t>
             </a:fld>
             <a:endParaRPr lang="en-US"/>
           </a:p>
@@ -3326,48 +3326,12 @@
           <a:chExt cx="0" cy="0"/>
         </a:xfrm>
       </p:grpSpPr>
-      <p:sp>
-        <p:nvSpPr>
-          <p:cNvPr id="2" name="TextBox 1">
-            <a:extLst>
-              <a:ext uri="{FF2B5EF4-FFF2-40B4-BE49-F238E27FC236}">
-                <a16:creationId xmlns:a16="http://schemas.microsoft.com/office/drawing/2014/main" id="{EFE8C1FF-801C-2DD7-8251-AE1D0A7F21B6}"/>
-              </a:ext>
-            </a:extLst>
-          </p:cNvPr>
-          <p:cNvSpPr txBox="1"/>
-          <p:nvPr/>
-        </p:nvSpPr>
-        <p:spPr>
-          <a:xfrm>
-            <a:off x="6096000" y="6581001"/>
-            <a:ext cx="2754086" cy="276999"/>
-          </a:xfrm>
-          <a:prstGeom prst="rect">
-            <a:avLst/>
-          </a:prstGeom>
-          <a:noFill/>
-        </p:spPr>
-        <p:txBody>
-          <a:bodyPr wrap="square" rtlCol="0">
-            <a:spAutoFit/>
-          </a:bodyPr>
-          <a:lstStyle/>
-          <a:p>
-            <a:pPr algn="ctr"/>
-            <a:r>
-              <a:rPr lang="en-US" sz="1200" dirty="0"/>
-              <a:t>Tip Rate</a:t>
-            </a:r>
-          </a:p>
-        </p:txBody>
-      </p:sp>
       <p:pic>
         <p:nvPicPr>
-          <p:cNvPr id="4" name="Picture 3">
-            <a:extLst>
-              <a:ext uri="{FF2B5EF4-FFF2-40B4-BE49-F238E27FC236}">
-                <a16:creationId xmlns:a16="http://schemas.microsoft.com/office/drawing/2014/main" id="{59175884-C9CE-D096-7EC9-232E909881AE}"/>
+          <p:cNvPr id="6" name="Picture 5">
+            <a:extLst>
+              <a:ext uri="{FF2B5EF4-FFF2-40B4-BE49-F238E27FC236}">
+                <a16:creationId xmlns:a16="http://schemas.microsoft.com/office/drawing/2014/main" id="{DE74D807-05AB-A513-0325-24452221D6D3}"/>
               </a:ext>
             </a:extLst>
           </p:cNvPr>
@@ -3378,13 +3342,13 @@
         </p:nvPicPr>
         <p:blipFill rotWithShape="1">
           <a:blip r:embed="rId2"/>
-          <a:srcRect l="6547" t="3138"/>
+          <a:srcRect l="7210" t="9524" r="-4036" b="1588"/>
           <a:stretch/>
         </p:blipFill>
         <p:spPr>
           <a:xfrm>
-            <a:off x="5027675" y="-43544"/>
-            <a:ext cx="8729095" cy="7238075"/>
+            <a:off x="5112327" y="688495"/>
+            <a:ext cx="5174670" cy="6147733"/>
           </a:xfrm>
           <a:prstGeom prst="rect">
             <a:avLst/>
@@ -3412,8 +3376,72 @@
         </p:blipFill>
         <p:spPr>
           <a:xfrm>
-            <a:off x="218945" y="0"/>
+            <a:off x="325700" y="54430"/>
             <a:ext cx="4917259" cy="6368143"/>
+          </a:xfrm>
+          <a:prstGeom prst="rect">
+            <a:avLst/>
+          </a:prstGeom>
+        </p:spPr>
+      </p:pic>
+      <p:sp>
+        <p:nvSpPr>
+          <p:cNvPr id="7" name="TextBox 6">
+            <a:extLst>
+              <a:ext uri="{FF2B5EF4-FFF2-40B4-BE49-F238E27FC236}">
+                <a16:creationId xmlns:a16="http://schemas.microsoft.com/office/drawing/2014/main" id="{81B443DB-2389-F300-7DDA-4476ABDA04F6}"/>
+              </a:ext>
+            </a:extLst>
+          </p:cNvPr>
+          <p:cNvSpPr txBox="1"/>
+          <p:nvPr/>
+        </p:nvSpPr>
+        <p:spPr>
+          <a:xfrm>
+            <a:off x="8305800" y="688495"/>
+            <a:ext cx="1578429" cy="759305"/>
+          </a:xfrm>
+          <a:prstGeom prst="rect">
+            <a:avLst/>
+          </a:prstGeom>
+          <a:solidFill>
+            <a:schemeClr val="bg1"/>
+          </a:solidFill>
+        </p:spPr>
+        <p:txBody>
+          <a:bodyPr wrap="square" rtlCol="0">
+            <a:spAutoFit/>
+          </a:bodyPr>
+          <a:lstStyle/>
+          <a:p>
+            <a:endParaRPr lang="en-US" dirty="0"/>
+          </a:p>
+        </p:txBody>
+      </p:sp>
+      <p:pic>
+        <p:nvPicPr>
+          <p:cNvPr id="9" name="Picture 8">
+            <a:extLst>
+              <a:ext uri="{FF2B5EF4-FFF2-40B4-BE49-F238E27FC236}">
+                <a16:creationId xmlns:a16="http://schemas.microsoft.com/office/drawing/2014/main" id="{0AEDA16D-35D5-ADE9-01D4-3B919E64A93D}"/>
+              </a:ext>
+            </a:extLst>
+          </p:cNvPr>
+          <p:cNvPicPr>
+            <a:picLocks noChangeAspect="1"/>
+          </p:cNvPicPr>
+          <p:nvPr/>
+        </p:nvPicPr>
+        <p:blipFill>
+          <a:blip r:embed="rId4"/>
+          <a:stretch>
+            <a:fillRect/>
+          </a:stretch>
+        </p:blipFill>
+        <p:spPr>
+          <a:xfrm>
+            <a:off x="8482693" y="688495"/>
+            <a:ext cx="1401536" cy="444203"/>
           </a:xfrm>
           <a:prstGeom prst="rect">
             <a:avLst/>

--- a/figures/fig3/fig3.pptx
+++ b/figures/fig3/fig3.pptx
@@ -259,7 +259,7 @@
           <a:p>
             <a:fld id="{AA95675E-B4AB-B541-84F6-0480D90FD418}" type="datetimeFigureOut">
               <a:rPr lang="en-US" smtClean="0"/>
-              <a:t>9/12/22</a:t>
+              <a:t>9/21/22</a:t>
             </a:fld>
             <a:endParaRPr lang="en-US"/>
           </a:p>
@@ -457,7 +457,7 @@
           <a:p>
             <a:fld id="{AA95675E-B4AB-B541-84F6-0480D90FD418}" type="datetimeFigureOut">
               <a:rPr lang="en-US" smtClean="0"/>
-              <a:t>9/12/22</a:t>
+              <a:t>9/21/22</a:t>
             </a:fld>
             <a:endParaRPr lang="en-US"/>
           </a:p>
@@ -665,7 +665,7 @@
           <a:p>
             <a:fld id="{AA95675E-B4AB-B541-84F6-0480D90FD418}" type="datetimeFigureOut">
               <a:rPr lang="en-US" smtClean="0"/>
-              <a:t>9/12/22</a:t>
+              <a:t>9/21/22</a:t>
             </a:fld>
             <a:endParaRPr lang="en-US"/>
           </a:p>
@@ -863,7 +863,7 @@
           <a:p>
             <a:fld id="{AA95675E-B4AB-B541-84F6-0480D90FD418}" type="datetimeFigureOut">
               <a:rPr lang="en-US" smtClean="0"/>
-              <a:t>9/12/22</a:t>
+              <a:t>9/21/22</a:t>
             </a:fld>
             <a:endParaRPr lang="en-US"/>
           </a:p>
@@ -1138,7 +1138,7 @@
           <a:p>
             <a:fld id="{AA95675E-B4AB-B541-84F6-0480D90FD418}" type="datetimeFigureOut">
               <a:rPr lang="en-US" smtClean="0"/>
-              <a:t>9/12/22</a:t>
+              <a:t>9/21/22</a:t>
             </a:fld>
             <a:endParaRPr lang="en-US"/>
           </a:p>
@@ -1403,7 +1403,7 @@
           <a:p>
             <a:fld id="{AA95675E-B4AB-B541-84F6-0480D90FD418}" type="datetimeFigureOut">
               <a:rPr lang="en-US" smtClean="0"/>
-              <a:t>9/12/22</a:t>
+              <a:t>9/21/22</a:t>
             </a:fld>
             <a:endParaRPr lang="en-US"/>
           </a:p>
@@ -1815,7 +1815,7 @@
           <a:p>
             <a:fld id="{AA95675E-B4AB-B541-84F6-0480D90FD418}" type="datetimeFigureOut">
               <a:rPr lang="en-US" smtClean="0"/>
-              <a:t>9/12/22</a:t>
+              <a:t>9/21/22</a:t>
             </a:fld>
             <a:endParaRPr lang="en-US"/>
           </a:p>
@@ -1956,7 +1956,7 @@
           <a:p>
             <a:fld id="{AA95675E-B4AB-B541-84F6-0480D90FD418}" type="datetimeFigureOut">
               <a:rPr lang="en-US" smtClean="0"/>
-              <a:t>9/12/22</a:t>
+              <a:t>9/21/22</a:t>
             </a:fld>
             <a:endParaRPr lang="en-US"/>
           </a:p>
@@ -2069,7 +2069,7 @@
           <a:p>
             <a:fld id="{AA95675E-B4AB-B541-84F6-0480D90FD418}" type="datetimeFigureOut">
               <a:rPr lang="en-US" smtClean="0"/>
-              <a:t>9/12/22</a:t>
+              <a:t>9/21/22</a:t>
             </a:fld>
             <a:endParaRPr lang="en-US"/>
           </a:p>
@@ -2380,7 +2380,7 @@
           <a:p>
             <a:fld id="{AA95675E-B4AB-B541-84F6-0480D90FD418}" type="datetimeFigureOut">
               <a:rPr lang="en-US" smtClean="0"/>
-              <a:t>9/12/22</a:t>
+              <a:t>9/21/22</a:t>
             </a:fld>
             <a:endParaRPr lang="en-US"/>
           </a:p>
@@ -2668,7 +2668,7 @@
           <a:p>
             <a:fld id="{AA95675E-B4AB-B541-84F6-0480D90FD418}" type="datetimeFigureOut">
               <a:rPr lang="en-US" smtClean="0"/>
-              <a:t>9/12/22</a:t>
+              <a:t>9/21/22</a:t>
             </a:fld>
             <a:endParaRPr lang="en-US"/>
           </a:p>
@@ -2909,7 +2909,7 @@
           <a:p>
             <a:fld id="{AA95675E-B4AB-B541-84F6-0480D90FD418}" type="datetimeFigureOut">
               <a:rPr lang="en-US" smtClean="0"/>
-              <a:t>9/12/22</a:t>
+              <a:t>9/21/22</a:t>
             </a:fld>
             <a:endParaRPr lang="en-US"/>
           </a:p>
@@ -3328,10 +3328,10 @@
       </p:grpSpPr>
       <p:pic>
         <p:nvPicPr>
-          <p:cNvPr id="6" name="Picture 5">
-            <a:extLst>
-              <a:ext uri="{FF2B5EF4-FFF2-40B4-BE49-F238E27FC236}">
-                <a16:creationId xmlns:a16="http://schemas.microsoft.com/office/drawing/2014/main" id="{DE74D807-05AB-A513-0325-24452221D6D3}"/>
+          <p:cNvPr id="3" name="Picture 2">
+            <a:extLst>
+              <a:ext uri="{FF2B5EF4-FFF2-40B4-BE49-F238E27FC236}">
+                <a16:creationId xmlns:a16="http://schemas.microsoft.com/office/drawing/2014/main" id="{FC594831-552A-0FDE-3C66-B631A5784900}"/>
               </a:ext>
             </a:extLst>
           </p:cNvPr>
@@ -3342,13 +3342,13 @@
         </p:nvPicPr>
         <p:blipFill rotWithShape="1">
           <a:blip r:embed="rId2"/>
-          <a:srcRect l="7210" t="9524" r="-4036" b="1588"/>
+          <a:srcRect l="7210" t="8172" b="1713"/>
           <a:stretch/>
         </p:blipFill>
         <p:spPr>
           <a:xfrm>
-            <a:off x="5112327" y="688495"/>
-            <a:ext cx="5174670" cy="6147733"/>
+            <a:off x="5129911" y="599469"/>
+            <a:ext cx="4936370" cy="6211984"/>
           </a:xfrm>
           <a:prstGeom prst="rect">
             <a:avLst/>
@@ -3440,7 +3440,7 @@
         </p:blipFill>
         <p:spPr>
           <a:xfrm>
-            <a:off x="8482693" y="688495"/>
+            <a:off x="8394246" y="599469"/>
             <a:ext cx="1401536" cy="444203"/>
           </a:xfrm>
           <a:prstGeom prst="rect">

--- a/figures/fig3/fig3.pptx
+++ b/figures/fig3/fig3.pptx
@@ -134,7 +134,7 @@
           <p:cNvPr id="2" name="Title 1">
             <a:extLst>
               <a:ext uri="{FF2B5EF4-FFF2-40B4-BE49-F238E27FC236}">
-                <a16:creationId xmlns:a16="http://schemas.microsoft.com/office/drawing/2014/main" id="{22A9462F-3A4B-0C4D-8371-9038B8A528E6}"/>
+                <a16:creationId xmlns:a16="http://schemas.microsoft.com/office/drawing/2014/main" id="{8367B5CE-A7E2-2749-849A-4721BFCAD07C}"/>
               </a:ext>
             </a:extLst>
           </p:cNvPr>
@@ -171,7 +171,7 @@
           <p:cNvPr id="3" name="Subtitle 2">
             <a:extLst>
               <a:ext uri="{FF2B5EF4-FFF2-40B4-BE49-F238E27FC236}">
-                <a16:creationId xmlns:a16="http://schemas.microsoft.com/office/drawing/2014/main" id="{06872460-483D-2242-97BD-C4514E5A2627}"/>
+                <a16:creationId xmlns:a16="http://schemas.microsoft.com/office/drawing/2014/main" id="{3DA1E2E1-0B00-1A41-A43E-907C7A01C4C9}"/>
               </a:ext>
             </a:extLst>
           </p:cNvPr>
@@ -241,7 +241,7 @@
           <p:cNvPr id="4" name="Date Placeholder 3">
             <a:extLst>
               <a:ext uri="{FF2B5EF4-FFF2-40B4-BE49-F238E27FC236}">
-                <a16:creationId xmlns:a16="http://schemas.microsoft.com/office/drawing/2014/main" id="{75B67E0A-DDD5-0B46-894D-A694D12E39F0}"/>
+                <a16:creationId xmlns:a16="http://schemas.microsoft.com/office/drawing/2014/main" id="{7A35F7B8-FC69-B549-A16D-56A21A7AD290}"/>
               </a:ext>
             </a:extLst>
           </p:cNvPr>
@@ -257,9 +257,9 @@
           <a:bodyPr/>
           <a:lstStyle/>
           <a:p>
-            <a:fld id="{AA95675E-B4AB-B541-84F6-0480D90FD418}" type="datetimeFigureOut">
+            <a:fld id="{63E089F7-0D66-8D4E-BF21-C7B1994E88E0}" type="datetimeFigureOut">
               <a:rPr lang="en-US" smtClean="0"/>
-              <a:t>9/21/22</a:t>
+              <a:t>12/27/22</a:t>
             </a:fld>
             <a:endParaRPr lang="en-US"/>
           </a:p>
@@ -270,7 +270,7 @@
           <p:cNvPr id="5" name="Footer Placeholder 4">
             <a:extLst>
               <a:ext uri="{FF2B5EF4-FFF2-40B4-BE49-F238E27FC236}">
-                <a16:creationId xmlns:a16="http://schemas.microsoft.com/office/drawing/2014/main" id="{423505C2-CC84-4340-8C69-A4FB8F3072E6}"/>
+                <a16:creationId xmlns:a16="http://schemas.microsoft.com/office/drawing/2014/main" id="{38D21A82-F227-B246-8EE2-A211B74D0FCF}"/>
               </a:ext>
             </a:extLst>
           </p:cNvPr>
@@ -295,7 +295,7 @@
           <p:cNvPr id="6" name="Slide Number Placeholder 5">
             <a:extLst>
               <a:ext uri="{FF2B5EF4-FFF2-40B4-BE49-F238E27FC236}">
-                <a16:creationId xmlns:a16="http://schemas.microsoft.com/office/drawing/2014/main" id="{B5615472-3AA5-3F41-A4C9-138A8A17DF3D}"/>
+                <a16:creationId xmlns:a16="http://schemas.microsoft.com/office/drawing/2014/main" id="{85C747B1-3F4C-4E49-A718-802FEC3271D3}"/>
               </a:ext>
             </a:extLst>
           </p:cNvPr>
@@ -311,7 +311,7 @@
           <a:bodyPr/>
           <a:lstStyle/>
           <a:p>
-            <a:fld id="{F42E9A10-65D3-5748-B85F-42CA4505697B}" type="slidenum">
+            <a:fld id="{1C31FCC2-6156-864B-922C-65095231EA68}" type="slidenum">
               <a:rPr lang="en-US" smtClean="0"/>
               <a:t>‹#›</a:t>
             </a:fld>
@@ -322,7 +322,7 @@
     </p:spTree>
     <p:extLst>
       <p:ext uri="{BB962C8B-B14F-4D97-AF65-F5344CB8AC3E}">
-        <p14:creationId xmlns:p14="http://schemas.microsoft.com/office/powerpoint/2010/main" val="3224660389"/>
+        <p14:creationId xmlns:p14="http://schemas.microsoft.com/office/powerpoint/2010/main" val="4181366255"/>
       </p:ext>
     </p:extLst>
   </p:cSld>
@@ -354,7 +354,7 @@
           <p:cNvPr id="2" name="Title 1">
             <a:extLst>
               <a:ext uri="{FF2B5EF4-FFF2-40B4-BE49-F238E27FC236}">
-                <a16:creationId xmlns:a16="http://schemas.microsoft.com/office/drawing/2014/main" id="{787EB648-DF6E-7A4D-AD0E-695B16D1957D}"/>
+                <a16:creationId xmlns:a16="http://schemas.microsoft.com/office/drawing/2014/main" id="{4C901221-B076-B647-94CF-6915E0F29207}"/>
               </a:ext>
             </a:extLst>
           </p:cNvPr>
@@ -382,7 +382,7 @@
           <p:cNvPr id="3" name="Vertical Text Placeholder 2">
             <a:extLst>
               <a:ext uri="{FF2B5EF4-FFF2-40B4-BE49-F238E27FC236}">
-                <a16:creationId xmlns:a16="http://schemas.microsoft.com/office/drawing/2014/main" id="{163AED7E-AC23-5541-9B6E-2F85A853F5C8}"/>
+                <a16:creationId xmlns:a16="http://schemas.microsoft.com/office/drawing/2014/main" id="{48186A6F-17AD-A740-98A4-8C364723F113}"/>
               </a:ext>
             </a:extLst>
           </p:cNvPr>
@@ -439,7 +439,7 @@
           <p:cNvPr id="4" name="Date Placeholder 3">
             <a:extLst>
               <a:ext uri="{FF2B5EF4-FFF2-40B4-BE49-F238E27FC236}">
-                <a16:creationId xmlns:a16="http://schemas.microsoft.com/office/drawing/2014/main" id="{A8DE39B5-3C1C-DB4B-9121-2BFDADFCE94F}"/>
+                <a16:creationId xmlns:a16="http://schemas.microsoft.com/office/drawing/2014/main" id="{033CF01C-F768-C74D-B8D6-3721B29581DE}"/>
               </a:ext>
             </a:extLst>
           </p:cNvPr>
@@ -455,9 +455,9 @@
           <a:bodyPr/>
           <a:lstStyle/>
           <a:p>
-            <a:fld id="{AA95675E-B4AB-B541-84F6-0480D90FD418}" type="datetimeFigureOut">
+            <a:fld id="{63E089F7-0D66-8D4E-BF21-C7B1994E88E0}" type="datetimeFigureOut">
               <a:rPr lang="en-US" smtClean="0"/>
-              <a:t>9/21/22</a:t>
+              <a:t>12/27/22</a:t>
             </a:fld>
             <a:endParaRPr lang="en-US"/>
           </a:p>
@@ -468,7 +468,7 @@
           <p:cNvPr id="5" name="Footer Placeholder 4">
             <a:extLst>
               <a:ext uri="{FF2B5EF4-FFF2-40B4-BE49-F238E27FC236}">
-                <a16:creationId xmlns:a16="http://schemas.microsoft.com/office/drawing/2014/main" id="{B00B5AE7-58A4-9E45-A73D-96796D7248EA}"/>
+                <a16:creationId xmlns:a16="http://schemas.microsoft.com/office/drawing/2014/main" id="{9FE72E34-EF77-C240-BEA7-FF81DC09F431}"/>
               </a:ext>
             </a:extLst>
           </p:cNvPr>
@@ -493,7 +493,7 @@
           <p:cNvPr id="6" name="Slide Number Placeholder 5">
             <a:extLst>
               <a:ext uri="{FF2B5EF4-FFF2-40B4-BE49-F238E27FC236}">
-                <a16:creationId xmlns:a16="http://schemas.microsoft.com/office/drawing/2014/main" id="{6DDC4BA4-4B07-0B49-9772-A32533B31ADB}"/>
+                <a16:creationId xmlns:a16="http://schemas.microsoft.com/office/drawing/2014/main" id="{3DB905B8-8436-904D-A56A-A646D8EEDCBB}"/>
               </a:ext>
             </a:extLst>
           </p:cNvPr>
@@ -509,7 +509,7 @@
           <a:bodyPr/>
           <a:lstStyle/>
           <a:p>
-            <a:fld id="{F42E9A10-65D3-5748-B85F-42CA4505697B}" type="slidenum">
+            <a:fld id="{1C31FCC2-6156-864B-922C-65095231EA68}" type="slidenum">
               <a:rPr lang="en-US" smtClean="0"/>
               <a:t>‹#›</a:t>
             </a:fld>
@@ -520,7 +520,7 @@
     </p:spTree>
     <p:extLst>
       <p:ext uri="{BB962C8B-B14F-4D97-AF65-F5344CB8AC3E}">
-        <p14:creationId xmlns:p14="http://schemas.microsoft.com/office/powerpoint/2010/main" val="4167800063"/>
+        <p14:creationId xmlns:p14="http://schemas.microsoft.com/office/powerpoint/2010/main" val="2714388913"/>
       </p:ext>
     </p:extLst>
   </p:cSld>
@@ -552,7 +552,7 @@
           <p:cNvPr id="2" name="Vertical Title 1">
             <a:extLst>
               <a:ext uri="{FF2B5EF4-FFF2-40B4-BE49-F238E27FC236}">
-                <a16:creationId xmlns:a16="http://schemas.microsoft.com/office/drawing/2014/main" id="{89D0119D-D54F-D94A-A518-2B23B3229908}"/>
+                <a16:creationId xmlns:a16="http://schemas.microsoft.com/office/drawing/2014/main" id="{31C7FB96-D14A-F74E-8613-518387AFF852}"/>
               </a:ext>
             </a:extLst>
           </p:cNvPr>
@@ -585,7 +585,7 @@
           <p:cNvPr id="3" name="Vertical Text Placeholder 2">
             <a:extLst>
               <a:ext uri="{FF2B5EF4-FFF2-40B4-BE49-F238E27FC236}">
-                <a16:creationId xmlns:a16="http://schemas.microsoft.com/office/drawing/2014/main" id="{DB47C133-638E-4B44-A694-C011B5EDC3CE}"/>
+                <a16:creationId xmlns:a16="http://schemas.microsoft.com/office/drawing/2014/main" id="{742E88B3-7423-0149-ADEE-5D08F760068C}"/>
               </a:ext>
             </a:extLst>
           </p:cNvPr>
@@ -647,7 +647,7 @@
           <p:cNvPr id="4" name="Date Placeholder 3">
             <a:extLst>
               <a:ext uri="{FF2B5EF4-FFF2-40B4-BE49-F238E27FC236}">
-                <a16:creationId xmlns:a16="http://schemas.microsoft.com/office/drawing/2014/main" id="{0AAA4BC9-8FA1-8A48-AAEC-BCB7D6B38226}"/>
+                <a16:creationId xmlns:a16="http://schemas.microsoft.com/office/drawing/2014/main" id="{CD7977ED-AD0D-744E-937B-998A4EAB5BD2}"/>
               </a:ext>
             </a:extLst>
           </p:cNvPr>
@@ -663,9 +663,9 @@
           <a:bodyPr/>
           <a:lstStyle/>
           <a:p>
-            <a:fld id="{AA95675E-B4AB-B541-84F6-0480D90FD418}" type="datetimeFigureOut">
+            <a:fld id="{63E089F7-0D66-8D4E-BF21-C7B1994E88E0}" type="datetimeFigureOut">
               <a:rPr lang="en-US" smtClean="0"/>
-              <a:t>9/21/22</a:t>
+              <a:t>12/27/22</a:t>
             </a:fld>
             <a:endParaRPr lang="en-US"/>
           </a:p>
@@ -676,7 +676,7 @@
           <p:cNvPr id="5" name="Footer Placeholder 4">
             <a:extLst>
               <a:ext uri="{FF2B5EF4-FFF2-40B4-BE49-F238E27FC236}">
-                <a16:creationId xmlns:a16="http://schemas.microsoft.com/office/drawing/2014/main" id="{31E7CF70-6D8A-4C4D-840F-E877BBCEE017}"/>
+                <a16:creationId xmlns:a16="http://schemas.microsoft.com/office/drawing/2014/main" id="{E2E8912D-553C-4D4D-BB3B-E119030C71FD}"/>
               </a:ext>
             </a:extLst>
           </p:cNvPr>
@@ -701,7 +701,7 @@
           <p:cNvPr id="6" name="Slide Number Placeholder 5">
             <a:extLst>
               <a:ext uri="{FF2B5EF4-FFF2-40B4-BE49-F238E27FC236}">
-                <a16:creationId xmlns:a16="http://schemas.microsoft.com/office/drawing/2014/main" id="{77EBCB70-7D5D-2D41-8FD6-A579FFE8BE59}"/>
+                <a16:creationId xmlns:a16="http://schemas.microsoft.com/office/drawing/2014/main" id="{2344ED3D-D0E1-A343-86DD-A420CC44D8AB}"/>
               </a:ext>
             </a:extLst>
           </p:cNvPr>
@@ -717,7 +717,7 @@
           <a:bodyPr/>
           <a:lstStyle/>
           <a:p>
-            <a:fld id="{F42E9A10-65D3-5748-B85F-42CA4505697B}" type="slidenum">
+            <a:fld id="{1C31FCC2-6156-864B-922C-65095231EA68}" type="slidenum">
               <a:rPr lang="en-US" smtClean="0"/>
               <a:t>‹#›</a:t>
             </a:fld>
@@ -728,7 +728,7 @@
     </p:spTree>
     <p:extLst>
       <p:ext uri="{BB962C8B-B14F-4D97-AF65-F5344CB8AC3E}">
-        <p14:creationId xmlns:p14="http://schemas.microsoft.com/office/powerpoint/2010/main" val="2581977617"/>
+        <p14:creationId xmlns:p14="http://schemas.microsoft.com/office/powerpoint/2010/main" val="794962405"/>
       </p:ext>
     </p:extLst>
   </p:cSld>
@@ -760,7 +760,7 @@
           <p:cNvPr id="2" name="Title 1">
             <a:extLst>
               <a:ext uri="{FF2B5EF4-FFF2-40B4-BE49-F238E27FC236}">
-                <a16:creationId xmlns:a16="http://schemas.microsoft.com/office/drawing/2014/main" id="{FD7EA746-A4C9-734D-9832-FD1F5416E7BB}"/>
+                <a16:creationId xmlns:a16="http://schemas.microsoft.com/office/drawing/2014/main" id="{F6A25DB4-EE41-3D46-80FB-58F6F9207CCB}"/>
               </a:ext>
             </a:extLst>
           </p:cNvPr>
@@ -788,7 +788,7 @@
           <p:cNvPr id="3" name="Content Placeholder 2">
             <a:extLst>
               <a:ext uri="{FF2B5EF4-FFF2-40B4-BE49-F238E27FC236}">
-                <a16:creationId xmlns:a16="http://schemas.microsoft.com/office/drawing/2014/main" id="{DEC552F9-F923-A646-B422-874E613EF84F}"/>
+                <a16:creationId xmlns:a16="http://schemas.microsoft.com/office/drawing/2014/main" id="{A9C6A2DE-AA05-3A4D-889A-76617BEA03C8}"/>
               </a:ext>
             </a:extLst>
           </p:cNvPr>
@@ -845,7 +845,7 @@
           <p:cNvPr id="4" name="Date Placeholder 3">
             <a:extLst>
               <a:ext uri="{FF2B5EF4-FFF2-40B4-BE49-F238E27FC236}">
-                <a16:creationId xmlns:a16="http://schemas.microsoft.com/office/drawing/2014/main" id="{B92C0F99-B130-0F48-B60D-1822B666C620}"/>
+                <a16:creationId xmlns:a16="http://schemas.microsoft.com/office/drawing/2014/main" id="{30BE19C0-2322-2949-A764-D36BBFE1BFD3}"/>
               </a:ext>
             </a:extLst>
           </p:cNvPr>
@@ -861,9 +861,9 @@
           <a:bodyPr/>
           <a:lstStyle/>
           <a:p>
-            <a:fld id="{AA95675E-B4AB-B541-84F6-0480D90FD418}" type="datetimeFigureOut">
+            <a:fld id="{63E089F7-0D66-8D4E-BF21-C7B1994E88E0}" type="datetimeFigureOut">
               <a:rPr lang="en-US" smtClean="0"/>
-              <a:t>9/21/22</a:t>
+              <a:t>12/27/22</a:t>
             </a:fld>
             <a:endParaRPr lang="en-US"/>
           </a:p>
@@ -874,7 +874,7 @@
           <p:cNvPr id="5" name="Footer Placeholder 4">
             <a:extLst>
               <a:ext uri="{FF2B5EF4-FFF2-40B4-BE49-F238E27FC236}">
-                <a16:creationId xmlns:a16="http://schemas.microsoft.com/office/drawing/2014/main" id="{A8F63DF0-1006-DD4A-979F-2E1BE4853B2B}"/>
+                <a16:creationId xmlns:a16="http://schemas.microsoft.com/office/drawing/2014/main" id="{4C3B1E00-DB8E-584F-B569-983720C7FA83}"/>
               </a:ext>
             </a:extLst>
           </p:cNvPr>
@@ -899,7 +899,7 @@
           <p:cNvPr id="6" name="Slide Number Placeholder 5">
             <a:extLst>
               <a:ext uri="{FF2B5EF4-FFF2-40B4-BE49-F238E27FC236}">
-                <a16:creationId xmlns:a16="http://schemas.microsoft.com/office/drawing/2014/main" id="{99D9B0C5-3B08-1941-B8FC-7E5042BFB542}"/>
+                <a16:creationId xmlns:a16="http://schemas.microsoft.com/office/drawing/2014/main" id="{EB6848AA-C5C0-A64D-AEFA-6A6B8170FE9F}"/>
               </a:ext>
             </a:extLst>
           </p:cNvPr>
@@ -915,7 +915,7 @@
           <a:bodyPr/>
           <a:lstStyle/>
           <a:p>
-            <a:fld id="{F42E9A10-65D3-5748-B85F-42CA4505697B}" type="slidenum">
+            <a:fld id="{1C31FCC2-6156-864B-922C-65095231EA68}" type="slidenum">
               <a:rPr lang="en-US" smtClean="0"/>
               <a:t>‹#›</a:t>
             </a:fld>
@@ -926,7 +926,7 @@
     </p:spTree>
     <p:extLst>
       <p:ext uri="{BB962C8B-B14F-4D97-AF65-F5344CB8AC3E}">
-        <p14:creationId xmlns:p14="http://schemas.microsoft.com/office/powerpoint/2010/main" val="756195782"/>
+        <p14:creationId xmlns:p14="http://schemas.microsoft.com/office/powerpoint/2010/main" val="4130307217"/>
       </p:ext>
     </p:extLst>
   </p:cSld>
@@ -958,7 +958,7 @@
           <p:cNvPr id="2" name="Title 1">
             <a:extLst>
               <a:ext uri="{FF2B5EF4-FFF2-40B4-BE49-F238E27FC236}">
-                <a16:creationId xmlns:a16="http://schemas.microsoft.com/office/drawing/2014/main" id="{9F83B83C-4D26-C54F-9310-2811168ADDDA}"/>
+                <a16:creationId xmlns:a16="http://schemas.microsoft.com/office/drawing/2014/main" id="{3BFF249D-319D-B44E-A14C-6C2728AEFAB6}"/>
               </a:ext>
             </a:extLst>
           </p:cNvPr>
@@ -995,7 +995,7 @@
           <p:cNvPr id="3" name="Text Placeholder 2">
             <a:extLst>
               <a:ext uri="{FF2B5EF4-FFF2-40B4-BE49-F238E27FC236}">
-                <a16:creationId xmlns:a16="http://schemas.microsoft.com/office/drawing/2014/main" id="{1D2A05F3-7436-5D4F-AA34-9DD9851E8D59}"/>
+                <a16:creationId xmlns:a16="http://schemas.microsoft.com/office/drawing/2014/main" id="{CC656021-F631-824D-A222-10F0FC108262}"/>
               </a:ext>
             </a:extLst>
           </p:cNvPr>
@@ -1120,7 +1120,7 @@
           <p:cNvPr id="4" name="Date Placeholder 3">
             <a:extLst>
               <a:ext uri="{FF2B5EF4-FFF2-40B4-BE49-F238E27FC236}">
-                <a16:creationId xmlns:a16="http://schemas.microsoft.com/office/drawing/2014/main" id="{A4D6122E-CD9F-5B45-90AC-45827A9A1A79}"/>
+                <a16:creationId xmlns:a16="http://schemas.microsoft.com/office/drawing/2014/main" id="{094CCB53-224A-3E41-87C1-DAD2999B5EDF}"/>
               </a:ext>
             </a:extLst>
           </p:cNvPr>
@@ -1136,9 +1136,9 @@
           <a:bodyPr/>
           <a:lstStyle/>
           <a:p>
-            <a:fld id="{AA95675E-B4AB-B541-84F6-0480D90FD418}" type="datetimeFigureOut">
+            <a:fld id="{63E089F7-0D66-8D4E-BF21-C7B1994E88E0}" type="datetimeFigureOut">
               <a:rPr lang="en-US" smtClean="0"/>
-              <a:t>9/21/22</a:t>
+              <a:t>12/27/22</a:t>
             </a:fld>
             <a:endParaRPr lang="en-US"/>
           </a:p>
@@ -1149,7 +1149,7 @@
           <p:cNvPr id="5" name="Footer Placeholder 4">
             <a:extLst>
               <a:ext uri="{FF2B5EF4-FFF2-40B4-BE49-F238E27FC236}">
-                <a16:creationId xmlns:a16="http://schemas.microsoft.com/office/drawing/2014/main" id="{AAE5012F-5587-A94E-8BF8-C0E9D231D208}"/>
+                <a16:creationId xmlns:a16="http://schemas.microsoft.com/office/drawing/2014/main" id="{5829407E-F7C6-4E41-A6F5-9A085C040028}"/>
               </a:ext>
             </a:extLst>
           </p:cNvPr>
@@ -1174,7 +1174,7 @@
           <p:cNvPr id="6" name="Slide Number Placeholder 5">
             <a:extLst>
               <a:ext uri="{FF2B5EF4-FFF2-40B4-BE49-F238E27FC236}">
-                <a16:creationId xmlns:a16="http://schemas.microsoft.com/office/drawing/2014/main" id="{1758A2D9-7ED2-3641-808B-DDFA9F0FA22E}"/>
+                <a16:creationId xmlns:a16="http://schemas.microsoft.com/office/drawing/2014/main" id="{390A2F17-646C-B74F-8A32-CDBEF1E29F12}"/>
               </a:ext>
             </a:extLst>
           </p:cNvPr>
@@ -1190,7 +1190,7 @@
           <a:bodyPr/>
           <a:lstStyle/>
           <a:p>
-            <a:fld id="{F42E9A10-65D3-5748-B85F-42CA4505697B}" type="slidenum">
+            <a:fld id="{1C31FCC2-6156-864B-922C-65095231EA68}" type="slidenum">
               <a:rPr lang="en-US" smtClean="0"/>
               <a:t>‹#›</a:t>
             </a:fld>
@@ -1201,7 +1201,7 @@
     </p:spTree>
     <p:extLst>
       <p:ext uri="{BB962C8B-B14F-4D97-AF65-F5344CB8AC3E}">
-        <p14:creationId xmlns:p14="http://schemas.microsoft.com/office/powerpoint/2010/main" val="2113637573"/>
+        <p14:creationId xmlns:p14="http://schemas.microsoft.com/office/powerpoint/2010/main" val="1921847448"/>
       </p:ext>
     </p:extLst>
   </p:cSld>
@@ -1233,7 +1233,7 @@
           <p:cNvPr id="2" name="Title 1">
             <a:extLst>
               <a:ext uri="{FF2B5EF4-FFF2-40B4-BE49-F238E27FC236}">
-                <a16:creationId xmlns:a16="http://schemas.microsoft.com/office/drawing/2014/main" id="{6EA4F55D-94A5-6F42-B170-9EFA720F07F6}"/>
+                <a16:creationId xmlns:a16="http://schemas.microsoft.com/office/drawing/2014/main" id="{2ECA1F3A-1831-3643-868A-8EF1C1C093CB}"/>
               </a:ext>
             </a:extLst>
           </p:cNvPr>
@@ -1261,7 +1261,7 @@
           <p:cNvPr id="3" name="Content Placeholder 2">
             <a:extLst>
               <a:ext uri="{FF2B5EF4-FFF2-40B4-BE49-F238E27FC236}">
-                <a16:creationId xmlns:a16="http://schemas.microsoft.com/office/drawing/2014/main" id="{AF1D712B-2A15-6049-82DA-2D984A173543}"/>
+                <a16:creationId xmlns:a16="http://schemas.microsoft.com/office/drawing/2014/main" id="{667642C9-636C-6F4B-B92C-26A55EAB853B}"/>
               </a:ext>
             </a:extLst>
           </p:cNvPr>
@@ -1323,7 +1323,7 @@
           <p:cNvPr id="4" name="Content Placeholder 3">
             <a:extLst>
               <a:ext uri="{FF2B5EF4-FFF2-40B4-BE49-F238E27FC236}">
-                <a16:creationId xmlns:a16="http://schemas.microsoft.com/office/drawing/2014/main" id="{9112C36F-A3A5-4A4F-B398-527DAE87094A}"/>
+                <a16:creationId xmlns:a16="http://schemas.microsoft.com/office/drawing/2014/main" id="{0CD7774F-2825-E747-B6B4-0FBF2BB7C2A2}"/>
               </a:ext>
             </a:extLst>
           </p:cNvPr>
@@ -1385,7 +1385,7 @@
           <p:cNvPr id="5" name="Date Placeholder 4">
             <a:extLst>
               <a:ext uri="{FF2B5EF4-FFF2-40B4-BE49-F238E27FC236}">
-                <a16:creationId xmlns:a16="http://schemas.microsoft.com/office/drawing/2014/main" id="{0CDD6835-E0AC-714F-A07D-3C27ABFDD1C1}"/>
+                <a16:creationId xmlns:a16="http://schemas.microsoft.com/office/drawing/2014/main" id="{F6F8517C-E8C3-934E-8169-CF74401A5857}"/>
               </a:ext>
             </a:extLst>
           </p:cNvPr>
@@ -1401,9 +1401,9 @@
           <a:bodyPr/>
           <a:lstStyle/>
           <a:p>
-            <a:fld id="{AA95675E-B4AB-B541-84F6-0480D90FD418}" type="datetimeFigureOut">
+            <a:fld id="{63E089F7-0D66-8D4E-BF21-C7B1994E88E0}" type="datetimeFigureOut">
               <a:rPr lang="en-US" smtClean="0"/>
-              <a:t>9/21/22</a:t>
+              <a:t>12/27/22</a:t>
             </a:fld>
             <a:endParaRPr lang="en-US"/>
           </a:p>
@@ -1414,7 +1414,7 @@
           <p:cNvPr id="6" name="Footer Placeholder 5">
             <a:extLst>
               <a:ext uri="{FF2B5EF4-FFF2-40B4-BE49-F238E27FC236}">
-                <a16:creationId xmlns:a16="http://schemas.microsoft.com/office/drawing/2014/main" id="{C6BD631E-19C7-F14D-AFE1-B64F33DE9812}"/>
+                <a16:creationId xmlns:a16="http://schemas.microsoft.com/office/drawing/2014/main" id="{9A668C67-6467-1F42-B071-138C3B688326}"/>
               </a:ext>
             </a:extLst>
           </p:cNvPr>
@@ -1439,7 +1439,7 @@
           <p:cNvPr id="7" name="Slide Number Placeholder 6">
             <a:extLst>
               <a:ext uri="{FF2B5EF4-FFF2-40B4-BE49-F238E27FC236}">
-                <a16:creationId xmlns:a16="http://schemas.microsoft.com/office/drawing/2014/main" id="{230688B5-DE92-4F40-8BDD-4E1625602F9C}"/>
+                <a16:creationId xmlns:a16="http://schemas.microsoft.com/office/drawing/2014/main" id="{F8B3CFA8-08A3-B648-9C5A-21BC722915C3}"/>
               </a:ext>
             </a:extLst>
           </p:cNvPr>
@@ -1455,7 +1455,7 @@
           <a:bodyPr/>
           <a:lstStyle/>
           <a:p>
-            <a:fld id="{F42E9A10-65D3-5748-B85F-42CA4505697B}" type="slidenum">
+            <a:fld id="{1C31FCC2-6156-864B-922C-65095231EA68}" type="slidenum">
               <a:rPr lang="en-US" smtClean="0"/>
               <a:t>‹#›</a:t>
             </a:fld>
@@ -1466,7 +1466,7 @@
     </p:spTree>
     <p:extLst>
       <p:ext uri="{BB962C8B-B14F-4D97-AF65-F5344CB8AC3E}">
-        <p14:creationId xmlns:p14="http://schemas.microsoft.com/office/powerpoint/2010/main" val="3557192942"/>
+        <p14:creationId xmlns:p14="http://schemas.microsoft.com/office/powerpoint/2010/main" val="4167316700"/>
       </p:ext>
     </p:extLst>
   </p:cSld>
@@ -1498,7 +1498,7 @@
           <p:cNvPr id="2" name="Title 1">
             <a:extLst>
               <a:ext uri="{FF2B5EF4-FFF2-40B4-BE49-F238E27FC236}">
-                <a16:creationId xmlns:a16="http://schemas.microsoft.com/office/drawing/2014/main" id="{2CEAA07A-3841-A748-A2F4-A2350B1259DD}"/>
+                <a16:creationId xmlns:a16="http://schemas.microsoft.com/office/drawing/2014/main" id="{C267FCB1-9E67-064C-B0BB-48787E5F4CF3}"/>
               </a:ext>
             </a:extLst>
           </p:cNvPr>
@@ -1531,7 +1531,7 @@
           <p:cNvPr id="3" name="Text Placeholder 2">
             <a:extLst>
               <a:ext uri="{FF2B5EF4-FFF2-40B4-BE49-F238E27FC236}">
-                <a16:creationId xmlns:a16="http://schemas.microsoft.com/office/drawing/2014/main" id="{980A4C65-85E6-0E41-8DD1-BC7862214D15}"/>
+                <a16:creationId xmlns:a16="http://schemas.microsoft.com/office/drawing/2014/main" id="{73CE7F6D-611B-E648-8C56-43B1C4DDD4A6}"/>
               </a:ext>
             </a:extLst>
           </p:cNvPr>
@@ -1602,7 +1602,7 @@
           <p:cNvPr id="4" name="Content Placeholder 3">
             <a:extLst>
               <a:ext uri="{FF2B5EF4-FFF2-40B4-BE49-F238E27FC236}">
-                <a16:creationId xmlns:a16="http://schemas.microsoft.com/office/drawing/2014/main" id="{3EE2FCE9-62F1-1A42-A3C0-0B31C0769E15}"/>
+                <a16:creationId xmlns:a16="http://schemas.microsoft.com/office/drawing/2014/main" id="{C252BFAD-B8DD-FA48-87E0-4621B71B478E}"/>
               </a:ext>
             </a:extLst>
           </p:cNvPr>
@@ -1664,7 +1664,7 @@
           <p:cNvPr id="5" name="Text Placeholder 4">
             <a:extLst>
               <a:ext uri="{FF2B5EF4-FFF2-40B4-BE49-F238E27FC236}">
-                <a16:creationId xmlns:a16="http://schemas.microsoft.com/office/drawing/2014/main" id="{6B74DA3C-1A12-A245-8794-17FE09649ABB}"/>
+                <a16:creationId xmlns:a16="http://schemas.microsoft.com/office/drawing/2014/main" id="{57F98705-36E8-E049-BEDF-C21CDFF12273}"/>
               </a:ext>
             </a:extLst>
           </p:cNvPr>
@@ -1735,7 +1735,7 @@
           <p:cNvPr id="6" name="Content Placeholder 5">
             <a:extLst>
               <a:ext uri="{FF2B5EF4-FFF2-40B4-BE49-F238E27FC236}">
-                <a16:creationId xmlns:a16="http://schemas.microsoft.com/office/drawing/2014/main" id="{26CE4CD0-3A12-EE4C-B87A-F18BC930E36F}"/>
+                <a16:creationId xmlns:a16="http://schemas.microsoft.com/office/drawing/2014/main" id="{DAB22061-7D8A-6D4A-9C73-E9127E9B9070}"/>
               </a:ext>
             </a:extLst>
           </p:cNvPr>
@@ -1797,7 +1797,7 @@
           <p:cNvPr id="7" name="Date Placeholder 6">
             <a:extLst>
               <a:ext uri="{FF2B5EF4-FFF2-40B4-BE49-F238E27FC236}">
-                <a16:creationId xmlns:a16="http://schemas.microsoft.com/office/drawing/2014/main" id="{655678B0-D694-0C4F-B346-AF997F7FE82F}"/>
+                <a16:creationId xmlns:a16="http://schemas.microsoft.com/office/drawing/2014/main" id="{29082B26-9EF9-E140-AF64-8ADFE153E07B}"/>
               </a:ext>
             </a:extLst>
           </p:cNvPr>
@@ -1813,9 +1813,9 @@
           <a:bodyPr/>
           <a:lstStyle/>
           <a:p>
-            <a:fld id="{AA95675E-B4AB-B541-84F6-0480D90FD418}" type="datetimeFigureOut">
+            <a:fld id="{63E089F7-0D66-8D4E-BF21-C7B1994E88E0}" type="datetimeFigureOut">
               <a:rPr lang="en-US" smtClean="0"/>
-              <a:t>9/21/22</a:t>
+              <a:t>12/27/22</a:t>
             </a:fld>
             <a:endParaRPr lang="en-US"/>
           </a:p>
@@ -1826,7 +1826,7 @@
           <p:cNvPr id="8" name="Footer Placeholder 7">
             <a:extLst>
               <a:ext uri="{FF2B5EF4-FFF2-40B4-BE49-F238E27FC236}">
-                <a16:creationId xmlns:a16="http://schemas.microsoft.com/office/drawing/2014/main" id="{D673321E-B271-5F45-852E-3C9D1403ADA8}"/>
+                <a16:creationId xmlns:a16="http://schemas.microsoft.com/office/drawing/2014/main" id="{6640902A-E934-7C4D-98C4-1AE813E51A7B}"/>
               </a:ext>
             </a:extLst>
           </p:cNvPr>
@@ -1851,7 +1851,7 @@
           <p:cNvPr id="9" name="Slide Number Placeholder 8">
             <a:extLst>
               <a:ext uri="{FF2B5EF4-FFF2-40B4-BE49-F238E27FC236}">
-                <a16:creationId xmlns:a16="http://schemas.microsoft.com/office/drawing/2014/main" id="{0FA097C3-2CA8-CA48-B4B7-A45D6E1F4F15}"/>
+                <a16:creationId xmlns:a16="http://schemas.microsoft.com/office/drawing/2014/main" id="{D4B60423-7F33-174C-9F02-D4F55CA907D5}"/>
               </a:ext>
             </a:extLst>
           </p:cNvPr>
@@ -1867,7 +1867,7 @@
           <a:bodyPr/>
           <a:lstStyle/>
           <a:p>
-            <a:fld id="{F42E9A10-65D3-5748-B85F-42CA4505697B}" type="slidenum">
+            <a:fld id="{1C31FCC2-6156-864B-922C-65095231EA68}" type="slidenum">
               <a:rPr lang="en-US" smtClean="0"/>
               <a:t>‹#›</a:t>
             </a:fld>
@@ -1878,7 +1878,7 @@
     </p:spTree>
     <p:extLst>
       <p:ext uri="{BB962C8B-B14F-4D97-AF65-F5344CB8AC3E}">
-        <p14:creationId xmlns:p14="http://schemas.microsoft.com/office/powerpoint/2010/main" val="1000454324"/>
+        <p14:creationId xmlns:p14="http://schemas.microsoft.com/office/powerpoint/2010/main" val="151128466"/>
       </p:ext>
     </p:extLst>
   </p:cSld>
@@ -1910,7 +1910,7 @@
           <p:cNvPr id="2" name="Title 1">
             <a:extLst>
               <a:ext uri="{FF2B5EF4-FFF2-40B4-BE49-F238E27FC236}">
-                <a16:creationId xmlns:a16="http://schemas.microsoft.com/office/drawing/2014/main" id="{1C5350E2-2822-714B-ABB7-58855B684811}"/>
+                <a16:creationId xmlns:a16="http://schemas.microsoft.com/office/drawing/2014/main" id="{FEBDE687-DFBD-2842-AB9B-4DBB2A01F3AB}"/>
               </a:ext>
             </a:extLst>
           </p:cNvPr>
@@ -1938,7 +1938,7 @@
           <p:cNvPr id="3" name="Date Placeholder 2">
             <a:extLst>
               <a:ext uri="{FF2B5EF4-FFF2-40B4-BE49-F238E27FC236}">
-                <a16:creationId xmlns:a16="http://schemas.microsoft.com/office/drawing/2014/main" id="{AEBE299B-FDE5-D940-AF25-AF5B0D0244B5}"/>
+                <a16:creationId xmlns:a16="http://schemas.microsoft.com/office/drawing/2014/main" id="{B58B5E38-CBD6-174D-8D26-7685035DFC88}"/>
               </a:ext>
             </a:extLst>
           </p:cNvPr>
@@ -1954,9 +1954,9 @@
           <a:bodyPr/>
           <a:lstStyle/>
           <a:p>
-            <a:fld id="{AA95675E-B4AB-B541-84F6-0480D90FD418}" type="datetimeFigureOut">
+            <a:fld id="{63E089F7-0D66-8D4E-BF21-C7B1994E88E0}" type="datetimeFigureOut">
               <a:rPr lang="en-US" smtClean="0"/>
-              <a:t>9/21/22</a:t>
+              <a:t>12/27/22</a:t>
             </a:fld>
             <a:endParaRPr lang="en-US"/>
           </a:p>
@@ -1967,7 +1967,7 @@
           <p:cNvPr id="4" name="Footer Placeholder 3">
             <a:extLst>
               <a:ext uri="{FF2B5EF4-FFF2-40B4-BE49-F238E27FC236}">
-                <a16:creationId xmlns:a16="http://schemas.microsoft.com/office/drawing/2014/main" id="{B87CC272-2C37-544A-B9EC-31789E007C6B}"/>
+                <a16:creationId xmlns:a16="http://schemas.microsoft.com/office/drawing/2014/main" id="{2F3CA0DB-D275-4841-A824-6AB1F416592B}"/>
               </a:ext>
             </a:extLst>
           </p:cNvPr>
@@ -1992,7 +1992,7 @@
           <p:cNvPr id="5" name="Slide Number Placeholder 4">
             <a:extLst>
               <a:ext uri="{FF2B5EF4-FFF2-40B4-BE49-F238E27FC236}">
-                <a16:creationId xmlns:a16="http://schemas.microsoft.com/office/drawing/2014/main" id="{22CDC75C-F626-D444-BA10-0CB1FA10F16E}"/>
+                <a16:creationId xmlns:a16="http://schemas.microsoft.com/office/drawing/2014/main" id="{6B7E1DEA-DF43-DB47-B89F-69ADD53314E0}"/>
               </a:ext>
             </a:extLst>
           </p:cNvPr>
@@ -2008,7 +2008,7 @@
           <a:bodyPr/>
           <a:lstStyle/>
           <a:p>
-            <a:fld id="{F42E9A10-65D3-5748-B85F-42CA4505697B}" type="slidenum">
+            <a:fld id="{1C31FCC2-6156-864B-922C-65095231EA68}" type="slidenum">
               <a:rPr lang="en-US" smtClean="0"/>
               <a:t>‹#›</a:t>
             </a:fld>
@@ -2019,7 +2019,7 @@
     </p:spTree>
     <p:extLst>
       <p:ext uri="{BB962C8B-B14F-4D97-AF65-F5344CB8AC3E}">
-        <p14:creationId xmlns:p14="http://schemas.microsoft.com/office/powerpoint/2010/main" val="3297722668"/>
+        <p14:creationId xmlns:p14="http://schemas.microsoft.com/office/powerpoint/2010/main" val="4257152463"/>
       </p:ext>
     </p:extLst>
   </p:cSld>
@@ -2051,7 +2051,7 @@
           <p:cNvPr id="2" name="Date Placeholder 1">
             <a:extLst>
               <a:ext uri="{FF2B5EF4-FFF2-40B4-BE49-F238E27FC236}">
-                <a16:creationId xmlns:a16="http://schemas.microsoft.com/office/drawing/2014/main" id="{C5807D3D-5ADF-534E-8B3C-CEB276A31A6E}"/>
+                <a16:creationId xmlns:a16="http://schemas.microsoft.com/office/drawing/2014/main" id="{22BD8B9F-4260-5C43-A92C-27203D5BB4CA}"/>
               </a:ext>
             </a:extLst>
           </p:cNvPr>
@@ -2067,9 +2067,9 @@
           <a:bodyPr/>
           <a:lstStyle/>
           <a:p>
-            <a:fld id="{AA95675E-B4AB-B541-84F6-0480D90FD418}" type="datetimeFigureOut">
+            <a:fld id="{63E089F7-0D66-8D4E-BF21-C7B1994E88E0}" type="datetimeFigureOut">
               <a:rPr lang="en-US" smtClean="0"/>
-              <a:t>9/21/22</a:t>
+              <a:t>12/27/22</a:t>
             </a:fld>
             <a:endParaRPr lang="en-US"/>
           </a:p>
@@ -2080,7 +2080,7 @@
           <p:cNvPr id="3" name="Footer Placeholder 2">
             <a:extLst>
               <a:ext uri="{FF2B5EF4-FFF2-40B4-BE49-F238E27FC236}">
-                <a16:creationId xmlns:a16="http://schemas.microsoft.com/office/drawing/2014/main" id="{F65DA2AA-DA01-C842-A650-56858D050140}"/>
+                <a16:creationId xmlns:a16="http://schemas.microsoft.com/office/drawing/2014/main" id="{5C9E5933-E3D3-AD4E-AE89-01E45E7A4472}"/>
               </a:ext>
             </a:extLst>
           </p:cNvPr>
@@ -2105,7 +2105,7 @@
           <p:cNvPr id="4" name="Slide Number Placeholder 3">
             <a:extLst>
               <a:ext uri="{FF2B5EF4-FFF2-40B4-BE49-F238E27FC236}">
-                <a16:creationId xmlns:a16="http://schemas.microsoft.com/office/drawing/2014/main" id="{220E7203-4DC6-8142-BCEA-687386CEEDE1}"/>
+                <a16:creationId xmlns:a16="http://schemas.microsoft.com/office/drawing/2014/main" id="{09C58174-0764-D34E-B0DC-44ED0B9EC23D}"/>
               </a:ext>
             </a:extLst>
           </p:cNvPr>
@@ -2121,7 +2121,7 @@
           <a:bodyPr/>
           <a:lstStyle/>
           <a:p>
-            <a:fld id="{F42E9A10-65D3-5748-B85F-42CA4505697B}" type="slidenum">
+            <a:fld id="{1C31FCC2-6156-864B-922C-65095231EA68}" type="slidenum">
               <a:rPr lang="en-US" smtClean="0"/>
               <a:t>‹#›</a:t>
             </a:fld>
@@ -2132,7 +2132,7 @@
     </p:spTree>
     <p:extLst>
       <p:ext uri="{BB962C8B-B14F-4D97-AF65-F5344CB8AC3E}">
-        <p14:creationId xmlns:p14="http://schemas.microsoft.com/office/powerpoint/2010/main" val="323426589"/>
+        <p14:creationId xmlns:p14="http://schemas.microsoft.com/office/powerpoint/2010/main" val="1876245164"/>
       </p:ext>
     </p:extLst>
   </p:cSld>
@@ -2164,7 +2164,7 @@
           <p:cNvPr id="2" name="Title 1">
             <a:extLst>
               <a:ext uri="{FF2B5EF4-FFF2-40B4-BE49-F238E27FC236}">
-                <a16:creationId xmlns:a16="http://schemas.microsoft.com/office/drawing/2014/main" id="{DA2B5572-73A1-754E-A741-DC12F53EEA11}"/>
+                <a16:creationId xmlns:a16="http://schemas.microsoft.com/office/drawing/2014/main" id="{90F38EC1-2FB6-D34B-8C22-F435846C2CC0}"/>
               </a:ext>
             </a:extLst>
           </p:cNvPr>
@@ -2201,7 +2201,7 @@
           <p:cNvPr id="3" name="Content Placeholder 2">
             <a:extLst>
               <a:ext uri="{FF2B5EF4-FFF2-40B4-BE49-F238E27FC236}">
-                <a16:creationId xmlns:a16="http://schemas.microsoft.com/office/drawing/2014/main" id="{DF161107-8C34-AA46-B28C-C4056A55961B}"/>
+                <a16:creationId xmlns:a16="http://schemas.microsoft.com/office/drawing/2014/main" id="{95EDAF9F-26B1-8549-971B-A3A674B0B36D}"/>
               </a:ext>
             </a:extLst>
           </p:cNvPr>
@@ -2291,7 +2291,7 @@
           <p:cNvPr id="4" name="Text Placeholder 3">
             <a:extLst>
               <a:ext uri="{FF2B5EF4-FFF2-40B4-BE49-F238E27FC236}">
-                <a16:creationId xmlns:a16="http://schemas.microsoft.com/office/drawing/2014/main" id="{D6D3ED37-D2E9-4840-8464-552FF43766AF}"/>
+                <a16:creationId xmlns:a16="http://schemas.microsoft.com/office/drawing/2014/main" id="{3438BA91-C78D-AA4C-8091-9D44483FD121}"/>
               </a:ext>
             </a:extLst>
           </p:cNvPr>
@@ -2362,7 +2362,7 @@
           <p:cNvPr id="5" name="Date Placeholder 4">
             <a:extLst>
               <a:ext uri="{FF2B5EF4-FFF2-40B4-BE49-F238E27FC236}">
-                <a16:creationId xmlns:a16="http://schemas.microsoft.com/office/drawing/2014/main" id="{AED66244-882E-B045-9F51-6A170A7A893F}"/>
+                <a16:creationId xmlns:a16="http://schemas.microsoft.com/office/drawing/2014/main" id="{5487C274-3ED9-EF4C-958C-82284DC4EA35}"/>
               </a:ext>
             </a:extLst>
           </p:cNvPr>
@@ -2378,9 +2378,9 @@
           <a:bodyPr/>
           <a:lstStyle/>
           <a:p>
-            <a:fld id="{AA95675E-B4AB-B541-84F6-0480D90FD418}" type="datetimeFigureOut">
+            <a:fld id="{63E089F7-0D66-8D4E-BF21-C7B1994E88E0}" type="datetimeFigureOut">
               <a:rPr lang="en-US" smtClean="0"/>
-              <a:t>9/21/22</a:t>
+              <a:t>12/27/22</a:t>
             </a:fld>
             <a:endParaRPr lang="en-US"/>
           </a:p>
@@ -2391,7 +2391,7 @@
           <p:cNvPr id="6" name="Footer Placeholder 5">
             <a:extLst>
               <a:ext uri="{FF2B5EF4-FFF2-40B4-BE49-F238E27FC236}">
-                <a16:creationId xmlns:a16="http://schemas.microsoft.com/office/drawing/2014/main" id="{F6080CC7-0B22-6446-B5A4-C939DEC6FDF5}"/>
+                <a16:creationId xmlns:a16="http://schemas.microsoft.com/office/drawing/2014/main" id="{A73342E5-72AF-D842-B213-0CB6E1D52366}"/>
               </a:ext>
             </a:extLst>
           </p:cNvPr>
@@ -2416,7 +2416,7 @@
           <p:cNvPr id="7" name="Slide Number Placeholder 6">
             <a:extLst>
               <a:ext uri="{FF2B5EF4-FFF2-40B4-BE49-F238E27FC236}">
-                <a16:creationId xmlns:a16="http://schemas.microsoft.com/office/drawing/2014/main" id="{E1493840-FFDF-D540-B863-84280448E4FC}"/>
+                <a16:creationId xmlns:a16="http://schemas.microsoft.com/office/drawing/2014/main" id="{69E2C8E4-D7C5-EF46-84DA-3C58520427B4}"/>
               </a:ext>
             </a:extLst>
           </p:cNvPr>
@@ -2432,7 +2432,7 @@
           <a:bodyPr/>
           <a:lstStyle/>
           <a:p>
-            <a:fld id="{F42E9A10-65D3-5748-B85F-42CA4505697B}" type="slidenum">
+            <a:fld id="{1C31FCC2-6156-864B-922C-65095231EA68}" type="slidenum">
               <a:rPr lang="en-US" smtClean="0"/>
               <a:t>‹#›</a:t>
             </a:fld>
@@ -2443,7 +2443,7 @@
     </p:spTree>
     <p:extLst>
       <p:ext uri="{BB962C8B-B14F-4D97-AF65-F5344CB8AC3E}">
-        <p14:creationId xmlns:p14="http://schemas.microsoft.com/office/powerpoint/2010/main" val="3416164901"/>
+        <p14:creationId xmlns:p14="http://schemas.microsoft.com/office/powerpoint/2010/main" val="1952199092"/>
       </p:ext>
     </p:extLst>
   </p:cSld>
@@ -2475,7 +2475,7 @@
           <p:cNvPr id="2" name="Title 1">
             <a:extLst>
               <a:ext uri="{FF2B5EF4-FFF2-40B4-BE49-F238E27FC236}">
-                <a16:creationId xmlns:a16="http://schemas.microsoft.com/office/drawing/2014/main" id="{F847BCC3-AE8A-DF4C-8916-5348DA134C69}"/>
+                <a16:creationId xmlns:a16="http://schemas.microsoft.com/office/drawing/2014/main" id="{867A8598-7233-A242-9908-4B8B37D629A7}"/>
               </a:ext>
             </a:extLst>
           </p:cNvPr>
@@ -2512,7 +2512,7 @@
           <p:cNvPr id="3" name="Picture Placeholder 2">
             <a:extLst>
               <a:ext uri="{FF2B5EF4-FFF2-40B4-BE49-F238E27FC236}">
-                <a16:creationId xmlns:a16="http://schemas.microsoft.com/office/drawing/2014/main" id="{B5F1E930-C3D9-004C-AEF7-B028A08B77CF}"/>
+                <a16:creationId xmlns:a16="http://schemas.microsoft.com/office/drawing/2014/main" id="{DB727BDB-D6BB-F34E-AB86-6EDC5F74A8DD}"/>
               </a:ext>
             </a:extLst>
           </p:cNvPr>
@@ -2579,7 +2579,7 @@
           <p:cNvPr id="4" name="Text Placeholder 3">
             <a:extLst>
               <a:ext uri="{FF2B5EF4-FFF2-40B4-BE49-F238E27FC236}">
-                <a16:creationId xmlns:a16="http://schemas.microsoft.com/office/drawing/2014/main" id="{19846EA4-B96A-1A4A-9325-D928645C3BCB}"/>
+                <a16:creationId xmlns:a16="http://schemas.microsoft.com/office/drawing/2014/main" id="{D4BF35FA-E91C-E14A-AF63-FBC93F7346A5}"/>
               </a:ext>
             </a:extLst>
           </p:cNvPr>
@@ -2650,7 +2650,7 @@
           <p:cNvPr id="5" name="Date Placeholder 4">
             <a:extLst>
               <a:ext uri="{FF2B5EF4-FFF2-40B4-BE49-F238E27FC236}">
-                <a16:creationId xmlns:a16="http://schemas.microsoft.com/office/drawing/2014/main" id="{8FF585AE-15E6-D749-8698-958C7AB418AF}"/>
+                <a16:creationId xmlns:a16="http://schemas.microsoft.com/office/drawing/2014/main" id="{081F068F-34C0-B44C-8075-BF5A281562F0}"/>
               </a:ext>
             </a:extLst>
           </p:cNvPr>
@@ -2666,9 +2666,9 @@
           <a:bodyPr/>
           <a:lstStyle/>
           <a:p>
-            <a:fld id="{AA95675E-B4AB-B541-84F6-0480D90FD418}" type="datetimeFigureOut">
+            <a:fld id="{63E089F7-0D66-8D4E-BF21-C7B1994E88E0}" type="datetimeFigureOut">
               <a:rPr lang="en-US" smtClean="0"/>
-              <a:t>9/21/22</a:t>
+              <a:t>12/27/22</a:t>
             </a:fld>
             <a:endParaRPr lang="en-US"/>
           </a:p>
@@ -2679,7 +2679,7 @@
           <p:cNvPr id="6" name="Footer Placeholder 5">
             <a:extLst>
               <a:ext uri="{FF2B5EF4-FFF2-40B4-BE49-F238E27FC236}">
-                <a16:creationId xmlns:a16="http://schemas.microsoft.com/office/drawing/2014/main" id="{226E67B7-DEA6-FC4D-AACF-F05691F85808}"/>
+                <a16:creationId xmlns:a16="http://schemas.microsoft.com/office/drawing/2014/main" id="{CA17A79A-3D6E-2B40-96CB-21EBB0145644}"/>
               </a:ext>
             </a:extLst>
           </p:cNvPr>
@@ -2704,7 +2704,7 @@
           <p:cNvPr id="7" name="Slide Number Placeholder 6">
             <a:extLst>
               <a:ext uri="{FF2B5EF4-FFF2-40B4-BE49-F238E27FC236}">
-                <a16:creationId xmlns:a16="http://schemas.microsoft.com/office/drawing/2014/main" id="{D84E86DB-78A3-B04C-8186-3FF6E4FDA164}"/>
+                <a16:creationId xmlns:a16="http://schemas.microsoft.com/office/drawing/2014/main" id="{E0DB85A2-2F9B-C448-BC48-4515A4547E18}"/>
               </a:ext>
             </a:extLst>
           </p:cNvPr>
@@ -2720,7 +2720,7 @@
           <a:bodyPr/>
           <a:lstStyle/>
           <a:p>
-            <a:fld id="{F42E9A10-65D3-5748-B85F-42CA4505697B}" type="slidenum">
+            <a:fld id="{1C31FCC2-6156-864B-922C-65095231EA68}" type="slidenum">
               <a:rPr lang="en-US" smtClean="0"/>
               <a:t>‹#›</a:t>
             </a:fld>
@@ -2731,7 +2731,7 @@
     </p:spTree>
     <p:extLst>
       <p:ext uri="{BB962C8B-B14F-4D97-AF65-F5344CB8AC3E}">
-        <p14:creationId xmlns:p14="http://schemas.microsoft.com/office/powerpoint/2010/main" val="32954806"/>
+        <p14:creationId xmlns:p14="http://schemas.microsoft.com/office/powerpoint/2010/main" val="3719294794"/>
       </p:ext>
     </p:extLst>
   </p:cSld>
@@ -2768,7 +2768,7 @@
           <p:cNvPr id="2" name="Title Placeholder 1">
             <a:extLst>
               <a:ext uri="{FF2B5EF4-FFF2-40B4-BE49-F238E27FC236}">
-                <a16:creationId xmlns:a16="http://schemas.microsoft.com/office/drawing/2014/main" id="{5EDD8B5C-FCC4-5943-976A-317F5FFF9624}"/>
+                <a16:creationId xmlns:a16="http://schemas.microsoft.com/office/drawing/2014/main" id="{F6B6EEEF-1721-3841-B5FF-D56999EC0D01}"/>
               </a:ext>
             </a:extLst>
           </p:cNvPr>
@@ -2806,7 +2806,7 @@
           <p:cNvPr id="3" name="Text Placeholder 2">
             <a:extLst>
               <a:ext uri="{FF2B5EF4-FFF2-40B4-BE49-F238E27FC236}">
-                <a16:creationId xmlns:a16="http://schemas.microsoft.com/office/drawing/2014/main" id="{1194E0DF-F1C3-094B-95CD-318A365C4F36}"/>
+                <a16:creationId xmlns:a16="http://schemas.microsoft.com/office/drawing/2014/main" id="{F6C6878F-9547-0545-BD82-246F7C48C63B}"/>
               </a:ext>
             </a:extLst>
           </p:cNvPr>
@@ -2873,7 +2873,7 @@
           <p:cNvPr id="4" name="Date Placeholder 3">
             <a:extLst>
               <a:ext uri="{FF2B5EF4-FFF2-40B4-BE49-F238E27FC236}">
-                <a16:creationId xmlns:a16="http://schemas.microsoft.com/office/drawing/2014/main" id="{77D171CC-6761-6A4F-893F-CCC17F3E1C23}"/>
+                <a16:creationId xmlns:a16="http://schemas.microsoft.com/office/drawing/2014/main" id="{9564DF3F-2F07-9B4A-9D4F-53AC6CB1BD7B}"/>
               </a:ext>
             </a:extLst>
           </p:cNvPr>
@@ -2907,9 +2907,9 @@
             </a:lvl1pPr>
           </a:lstStyle>
           <a:p>
-            <a:fld id="{AA95675E-B4AB-B541-84F6-0480D90FD418}" type="datetimeFigureOut">
+            <a:fld id="{63E089F7-0D66-8D4E-BF21-C7B1994E88E0}" type="datetimeFigureOut">
               <a:rPr lang="en-US" smtClean="0"/>
-              <a:t>9/21/22</a:t>
+              <a:t>12/27/22</a:t>
             </a:fld>
             <a:endParaRPr lang="en-US"/>
           </a:p>
@@ -2920,7 +2920,7 @@
           <p:cNvPr id="5" name="Footer Placeholder 4">
             <a:extLst>
               <a:ext uri="{FF2B5EF4-FFF2-40B4-BE49-F238E27FC236}">
-                <a16:creationId xmlns:a16="http://schemas.microsoft.com/office/drawing/2014/main" id="{C5F8BD55-C0F4-4249-8D61-AD8C83D82553}"/>
+                <a16:creationId xmlns:a16="http://schemas.microsoft.com/office/drawing/2014/main" id="{D9F973AA-1D1B-FD40-8C27-AF72E7C1B0BF}"/>
               </a:ext>
             </a:extLst>
           </p:cNvPr>
@@ -2963,7 +2963,7 @@
           <p:cNvPr id="6" name="Slide Number Placeholder 5">
             <a:extLst>
               <a:ext uri="{FF2B5EF4-FFF2-40B4-BE49-F238E27FC236}">
-                <a16:creationId xmlns:a16="http://schemas.microsoft.com/office/drawing/2014/main" id="{A16D1C36-F77F-3D4A-8689-C2554BB22FD8}"/>
+                <a16:creationId xmlns:a16="http://schemas.microsoft.com/office/drawing/2014/main" id="{FAB374C3-5BDC-854B-B46E-44E684322C01}"/>
               </a:ext>
             </a:extLst>
           </p:cNvPr>
@@ -2997,7 +2997,7 @@
             </a:lvl1pPr>
           </a:lstStyle>
           <a:p>
-            <a:fld id="{F42E9A10-65D3-5748-B85F-42CA4505697B}" type="slidenum">
+            <a:fld id="{1C31FCC2-6156-864B-922C-65095231EA68}" type="slidenum">
               <a:rPr lang="en-US" smtClean="0"/>
               <a:t>‹#›</a:t>
             </a:fld>
@@ -3008,7 +3008,7 @@
     </p:spTree>
     <p:extLst>
       <p:ext uri="{BB962C8B-B14F-4D97-AF65-F5344CB8AC3E}">
-        <p14:creationId xmlns:p14="http://schemas.microsoft.com/office/powerpoint/2010/main" val="4275084450"/>
+        <p14:creationId xmlns:p14="http://schemas.microsoft.com/office/powerpoint/2010/main" val="2271316106"/>
       </p:ext>
     </p:extLst>
   </p:cSld>
@@ -3328,10 +3328,10 @@
       </p:grpSpPr>
       <p:pic>
         <p:nvPicPr>
-          <p:cNvPr id="3" name="Picture 2">
-            <a:extLst>
-              <a:ext uri="{FF2B5EF4-FFF2-40B4-BE49-F238E27FC236}">
-                <a16:creationId xmlns:a16="http://schemas.microsoft.com/office/drawing/2014/main" id="{FC594831-552A-0FDE-3C66-B631A5784900}"/>
+          <p:cNvPr id="4" name="Picture 3">
+            <a:extLst>
+              <a:ext uri="{FF2B5EF4-FFF2-40B4-BE49-F238E27FC236}">
+                <a16:creationId xmlns:a16="http://schemas.microsoft.com/office/drawing/2014/main" id="{3366215F-6D2A-51CE-3256-F34DEE33BC04}"/>
               </a:ext>
             </a:extLst>
           </p:cNvPr>
@@ -3342,13 +3342,13 @@
         </p:nvPicPr>
         <p:blipFill rotWithShape="1">
           <a:blip r:embed="rId2"/>
-          <a:srcRect l="7210" t="8172" b="1713"/>
+          <a:srcRect l="11195" t="8221" r="5487"/>
           <a:stretch/>
         </p:blipFill>
         <p:spPr>
           <a:xfrm>
-            <a:off x="5129911" y="599469"/>
-            <a:ext cx="4936370" cy="6211984"/>
+            <a:off x="2716379" y="529359"/>
+            <a:ext cx="4415323" cy="6294201"/>
           </a:xfrm>
           <a:prstGeom prst="rect">
             <a:avLst/>
@@ -3360,7 +3360,7 @@
           <p:cNvPr id="5" name="Picture 4">
             <a:extLst>
               <a:ext uri="{FF2B5EF4-FFF2-40B4-BE49-F238E27FC236}">
-                <a16:creationId xmlns:a16="http://schemas.microsoft.com/office/drawing/2014/main" id="{23E3223F-646B-6544-A201-471A53FF9C64}"/>
+                <a16:creationId xmlns:a16="http://schemas.microsoft.com/office/drawing/2014/main" id="{92FEEC90-28A1-A3AD-12AE-1D3FC7FBD42B}"/>
               </a:ext>
             </a:extLst>
           </p:cNvPr>
@@ -3369,61 +3369,350 @@
           </p:cNvPicPr>
           <p:nvPr/>
         </p:nvPicPr>
-        <p:blipFill rotWithShape="1">
+        <p:blipFill>
           <a:blip r:embed="rId3"/>
-          <a:srcRect r="7210" b="7143"/>
-          <a:stretch/>
+          <a:stretch>
+            <a:fillRect/>
+          </a:stretch>
         </p:blipFill>
         <p:spPr>
           <a:xfrm>
-            <a:off x="325700" y="54430"/>
-            <a:ext cx="4917259" cy="6368143"/>
+            <a:off x="5778108" y="563799"/>
+            <a:ext cx="1389138" cy="440273"/>
           </a:xfrm>
           <a:prstGeom prst="rect">
             <a:avLst/>
           </a:prstGeom>
         </p:spPr>
       </p:pic>
-      <p:sp>
-        <p:nvSpPr>
-          <p:cNvPr id="7" name="TextBox 6">
-            <a:extLst>
-              <a:ext uri="{FF2B5EF4-FFF2-40B4-BE49-F238E27FC236}">
-                <a16:creationId xmlns:a16="http://schemas.microsoft.com/office/drawing/2014/main" id="{81B443DB-2389-F300-7DDA-4476ABDA04F6}"/>
-              </a:ext>
-            </a:extLst>
-          </p:cNvPr>
-          <p:cNvSpPr txBox="1"/>
+      <p:cxnSp>
+        <p:nvCxnSpPr>
+          <p:cNvPr id="3" name="Straight Connector 2">
+            <a:extLst>
+              <a:ext uri="{FF2B5EF4-FFF2-40B4-BE49-F238E27FC236}">
+                <a16:creationId xmlns:a16="http://schemas.microsoft.com/office/drawing/2014/main" id="{CF18D9E1-A40A-FFDC-41CF-959CB3357A30}"/>
+              </a:ext>
+            </a:extLst>
+          </p:cNvPr>
+          <p:cNvCxnSpPr>
+            <a:cxnSpLocks/>
+          </p:cNvCxnSpPr>
           <p:nvPr/>
-        </p:nvSpPr>
+        </p:nvCxnSpPr>
+        <p:spPr>
+          <a:xfrm flipV="1">
+            <a:off x="2703443" y="1747442"/>
+            <a:ext cx="4463803" cy="5073"/>
+          </a:xfrm>
+          <a:prstGeom prst="line">
+            <a:avLst/>
+          </a:prstGeom>
+          <a:ln>
+            <a:solidFill>
+              <a:schemeClr val="dk1">
+                <a:alpha val="26000"/>
+              </a:schemeClr>
+            </a:solidFill>
+            <a:prstDash val="dash"/>
+          </a:ln>
+        </p:spPr>
+        <p:style>
+          <a:lnRef idx="1">
+            <a:schemeClr val="dk1"/>
+          </a:lnRef>
+          <a:fillRef idx="0">
+            <a:schemeClr val="dk1"/>
+          </a:fillRef>
+          <a:effectRef idx="0">
+            <a:schemeClr val="dk1"/>
+          </a:effectRef>
+          <a:fontRef idx="minor">
+            <a:schemeClr val="tx1"/>
+          </a:fontRef>
+        </p:style>
+      </p:cxnSp>
+      <p:cxnSp>
+        <p:nvCxnSpPr>
+          <p:cNvPr id="6" name="Straight Connector 5">
+            <a:extLst>
+              <a:ext uri="{FF2B5EF4-FFF2-40B4-BE49-F238E27FC236}">
+                <a16:creationId xmlns:a16="http://schemas.microsoft.com/office/drawing/2014/main" id="{230AF52E-5657-28CC-33F7-A8B9DA34FD69}"/>
+              </a:ext>
+            </a:extLst>
+          </p:cNvPr>
+          <p:cNvCxnSpPr>
+            <a:cxnSpLocks/>
+          </p:cNvCxnSpPr>
+          <p:nvPr/>
+        </p:nvCxnSpPr>
         <p:spPr>
           <a:xfrm>
-            <a:off x="8305800" y="688495"/>
-            <a:ext cx="1578429" cy="759305"/>
+            <a:off x="2712366" y="4017669"/>
+            <a:ext cx="4467323" cy="0"/>
           </a:xfrm>
-          <a:prstGeom prst="rect">
+          <a:prstGeom prst="line">
             <a:avLst/>
           </a:prstGeom>
-          <a:solidFill>
-            <a:schemeClr val="bg1"/>
-          </a:solidFill>
+          <a:ln>
+            <a:solidFill>
+              <a:schemeClr val="dk1">
+                <a:alpha val="24692"/>
+              </a:schemeClr>
+            </a:solidFill>
+            <a:prstDash val="dash"/>
+          </a:ln>
         </p:spPr>
-        <p:txBody>
-          <a:bodyPr wrap="square" rtlCol="0">
-            <a:spAutoFit/>
-          </a:bodyPr>
-          <a:lstStyle/>
-          <a:p>
-            <a:endParaRPr lang="en-US" dirty="0"/>
-          </a:p>
-        </p:txBody>
-      </p:sp>
+        <p:style>
+          <a:lnRef idx="1">
+            <a:schemeClr val="dk1"/>
+          </a:lnRef>
+          <a:fillRef idx="0">
+            <a:schemeClr val="dk1"/>
+          </a:fillRef>
+          <a:effectRef idx="0">
+            <a:schemeClr val="dk1"/>
+          </a:effectRef>
+          <a:fontRef idx="minor">
+            <a:schemeClr val="tx1"/>
+          </a:fontRef>
+        </p:style>
+      </p:cxnSp>
+      <p:cxnSp>
+        <p:nvCxnSpPr>
+          <p:cNvPr id="9" name="Straight Connector 8">
+            <a:extLst>
+              <a:ext uri="{FF2B5EF4-FFF2-40B4-BE49-F238E27FC236}">
+                <a16:creationId xmlns:a16="http://schemas.microsoft.com/office/drawing/2014/main" id="{09D8EC83-5783-00A4-2949-4971CA0C3577}"/>
+              </a:ext>
+            </a:extLst>
+          </p:cNvPr>
+          <p:cNvCxnSpPr>
+            <a:cxnSpLocks/>
+          </p:cNvCxnSpPr>
+          <p:nvPr/>
+        </p:nvCxnSpPr>
+        <p:spPr>
+          <a:xfrm>
+            <a:off x="2712366" y="5675159"/>
+            <a:ext cx="4467323" cy="0"/>
+          </a:xfrm>
+          <a:prstGeom prst="line">
+            <a:avLst/>
+          </a:prstGeom>
+          <a:ln>
+            <a:solidFill>
+              <a:schemeClr val="dk1">
+                <a:alpha val="24964"/>
+              </a:schemeClr>
+            </a:solidFill>
+            <a:prstDash val="dash"/>
+          </a:ln>
+        </p:spPr>
+        <p:style>
+          <a:lnRef idx="1">
+            <a:schemeClr val="dk1"/>
+          </a:lnRef>
+          <a:fillRef idx="0">
+            <a:schemeClr val="dk1"/>
+          </a:fillRef>
+          <a:effectRef idx="0">
+            <a:schemeClr val="dk1"/>
+          </a:effectRef>
+          <a:fontRef idx="minor">
+            <a:schemeClr val="tx1"/>
+          </a:fontRef>
+        </p:style>
+      </p:cxnSp>
+      <p:cxnSp>
+        <p:nvCxnSpPr>
+          <p:cNvPr id="11" name="Straight Connector 10">
+            <a:extLst>
+              <a:ext uri="{FF2B5EF4-FFF2-40B4-BE49-F238E27FC236}">
+                <a16:creationId xmlns:a16="http://schemas.microsoft.com/office/drawing/2014/main" id="{5266A536-9D6D-66A2-F77D-A344CE27D1A8}"/>
+              </a:ext>
+            </a:extLst>
+          </p:cNvPr>
+          <p:cNvCxnSpPr>
+            <a:cxnSpLocks/>
+          </p:cNvCxnSpPr>
+          <p:nvPr/>
+        </p:nvCxnSpPr>
+        <p:spPr>
+          <a:xfrm>
+            <a:off x="2703443" y="4462584"/>
+            <a:ext cx="4476246" cy="0"/>
+          </a:xfrm>
+          <a:prstGeom prst="line">
+            <a:avLst/>
+          </a:prstGeom>
+          <a:ln>
+            <a:solidFill>
+              <a:schemeClr val="dk1">
+                <a:alpha val="25484"/>
+              </a:schemeClr>
+            </a:solidFill>
+            <a:prstDash val="dash"/>
+          </a:ln>
+        </p:spPr>
+        <p:style>
+          <a:lnRef idx="1">
+            <a:schemeClr val="dk1"/>
+          </a:lnRef>
+          <a:fillRef idx="0">
+            <a:schemeClr val="dk1"/>
+          </a:fillRef>
+          <a:effectRef idx="0">
+            <a:schemeClr val="dk1"/>
+          </a:effectRef>
+          <a:fontRef idx="minor">
+            <a:schemeClr val="tx1"/>
+          </a:fontRef>
+        </p:style>
+      </p:cxnSp>
+      <p:cxnSp>
+        <p:nvCxnSpPr>
+          <p:cNvPr id="12" name="Straight Connector 11">
+            <a:extLst>
+              <a:ext uri="{FF2B5EF4-FFF2-40B4-BE49-F238E27FC236}">
+                <a16:creationId xmlns:a16="http://schemas.microsoft.com/office/drawing/2014/main" id="{11E17F73-1FA1-BA0C-D88A-6E28241E9971}"/>
+              </a:ext>
+            </a:extLst>
+          </p:cNvPr>
+          <p:cNvCxnSpPr>
+            <a:cxnSpLocks/>
+          </p:cNvCxnSpPr>
+          <p:nvPr/>
+        </p:nvCxnSpPr>
+        <p:spPr>
+          <a:xfrm>
+            <a:off x="2696815" y="3240561"/>
+            <a:ext cx="4470431" cy="0"/>
+          </a:xfrm>
+          <a:prstGeom prst="line">
+            <a:avLst/>
+          </a:prstGeom>
+          <a:ln>
+            <a:solidFill>
+              <a:schemeClr val="dk1">
+                <a:alpha val="24989"/>
+              </a:schemeClr>
+            </a:solidFill>
+            <a:prstDash val="dash"/>
+          </a:ln>
+        </p:spPr>
+        <p:style>
+          <a:lnRef idx="1">
+            <a:schemeClr val="dk1"/>
+          </a:lnRef>
+          <a:fillRef idx="0">
+            <a:schemeClr val="dk1"/>
+          </a:fillRef>
+          <a:effectRef idx="0">
+            <a:schemeClr val="dk1"/>
+          </a:effectRef>
+          <a:fontRef idx="minor">
+            <a:schemeClr val="tx1"/>
+          </a:fontRef>
+        </p:style>
+      </p:cxnSp>
+      <p:cxnSp>
+        <p:nvCxnSpPr>
+          <p:cNvPr id="13" name="Straight Connector 12">
+            <a:extLst>
+              <a:ext uri="{FF2B5EF4-FFF2-40B4-BE49-F238E27FC236}">
+                <a16:creationId xmlns:a16="http://schemas.microsoft.com/office/drawing/2014/main" id="{28F58AEA-2C4D-0203-CCF3-DC03FE0BB6E8}"/>
+              </a:ext>
+            </a:extLst>
+          </p:cNvPr>
+          <p:cNvCxnSpPr>
+            <a:cxnSpLocks/>
+          </p:cNvCxnSpPr>
+          <p:nvPr/>
+        </p:nvCxnSpPr>
+        <p:spPr>
+          <a:xfrm>
+            <a:off x="2696815" y="2617709"/>
+            <a:ext cx="4470431" cy="0"/>
+          </a:xfrm>
+          <a:prstGeom prst="line">
+            <a:avLst/>
+          </a:prstGeom>
+          <a:ln>
+            <a:solidFill>
+              <a:schemeClr val="dk1">
+                <a:alpha val="25000"/>
+              </a:schemeClr>
+            </a:solidFill>
+            <a:prstDash val="dash"/>
+          </a:ln>
+        </p:spPr>
+        <p:style>
+          <a:lnRef idx="1">
+            <a:schemeClr val="dk1"/>
+          </a:lnRef>
+          <a:fillRef idx="0">
+            <a:schemeClr val="dk1"/>
+          </a:fillRef>
+          <a:effectRef idx="0">
+            <a:schemeClr val="dk1"/>
+          </a:effectRef>
+          <a:fontRef idx="minor">
+            <a:schemeClr val="tx1"/>
+          </a:fontRef>
+        </p:style>
+      </p:cxnSp>
+      <p:cxnSp>
+        <p:nvCxnSpPr>
+          <p:cNvPr id="14" name="Straight Connector 13">
+            <a:extLst>
+              <a:ext uri="{FF2B5EF4-FFF2-40B4-BE49-F238E27FC236}">
+                <a16:creationId xmlns:a16="http://schemas.microsoft.com/office/drawing/2014/main" id="{F01D6E2B-A6D5-8E93-24FF-FF4CBD9CD786}"/>
+              </a:ext>
+            </a:extLst>
+          </p:cNvPr>
+          <p:cNvCxnSpPr>
+            <a:cxnSpLocks/>
+          </p:cNvCxnSpPr>
+          <p:nvPr/>
+        </p:nvCxnSpPr>
+        <p:spPr>
+          <a:xfrm>
+            <a:off x="2703443" y="2182575"/>
+            <a:ext cx="4463803" cy="0"/>
+          </a:xfrm>
+          <a:prstGeom prst="line">
+            <a:avLst/>
+          </a:prstGeom>
+          <a:ln>
+            <a:solidFill>
+              <a:schemeClr val="dk1">
+                <a:alpha val="25000"/>
+              </a:schemeClr>
+            </a:solidFill>
+            <a:prstDash val="dash"/>
+          </a:ln>
+        </p:spPr>
+        <p:style>
+          <a:lnRef idx="1">
+            <a:schemeClr val="dk1"/>
+          </a:lnRef>
+          <a:fillRef idx="0">
+            <a:schemeClr val="dk1"/>
+          </a:fillRef>
+          <a:effectRef idx="0">
+            <a:schemeClr val="dk1"/>
+          </a:effectRef>
+          <a:fontRef idx="minor">
+            <a:schemeClr val="tx1"/>
+          </a:fontRef>
+        </p:style>
+      </p:cxnSp>
       <p:pic>
         <p:nvPicPr>
-          <p:cNvPr id="9" name="Picture 8">
-            <a:extLst>
-              <a:ext uri="{FF2B5EF4-FFF2-40B4-BE49-F238E27FC236}">
-                <a16:creationId xmlns:a16="http://schemas.microsoft.com/office/drawing/2014/main" id="{0AEDA16D-35D5-ADE9-01D4-3B919E64A93D}"/>
+          <p:cNvPr id="16" name="Picture 15">
+            <a:extLst>
+              <a:ext uri="{FF2B5EF4-FFF2-40B4-BE49-F238E27FC236}">
+                <a16:creationId xmlns:a16="http://schemas.microsoft.com/office/drawing/2014/main" id="{FE44F822-FD43-92BC-6FFF-2033378B2F5C}"/>
               </a:ext>
             </a:extLst>
           </p:cNvPr>
@@ -3440,8 +3729,323 @@
         </p:blipFill>
         <p:spPr>
           <a:xfrm>
-            <a:off x="8394246" y="599469"/>
-            <a:ext cx="1401536" cy="444203"/>
+            <a:off x="7299720" y="788752"/>
+            <a:ext cx="929880" cy="737676"/>
+          </a:xfrm>
+          <a:prstGeom prst="rect">
+            <a:avLst/>
+          </a:prstGeom>
+        </p:spPr>
+      </p:pic>
+      <p:pic>
+        <p:nvPicPr>
+          <p:cNvPr id="18" name="Picture 17">
+            <a:extLst>
+              <a:ext uri="{FF2B5EF4-FFF2-40B4-BE49-F238E27FC236}">
+                <a16:creationId xmlns:a16="http://schemas.microsoft.com/office/drawing/2014/main" id="{B1EA3AAD-B2E3-2684-8BAA-146C9B857888}"/>
+              </a:ext>
+            </a:extLst>
+          </p:cNvPr>
+          <p:cNvPicPr>
+            <a:picLocks noChangeAspect="1"/>
+          </p:cNvPicPr>
+          <p:nvPr/>
+        </p:nvPicPr>
+        <p:blipFill>
+          <a:blip r:embed="rId5"/>
+          <a:stretch>
+            <a:fillRect/>
+          </a:stretch>
+        </p:blipFill>
+        <p:spPr>
+          <a:xfrm>
+            <a:off x="7299720" y="1780842"/>
+            <a:ext cx="1422400" cy="381000"/>
+          </a:xfrm>
+          <a:prstGeom prst="rect">
+            <a:avLst/>
+          </a:prstGeom>
+        </p:spPr>
+      </p:pic>
+      <p:pic>
+        <p:nvPicPr>
+          <p:cNvPr id="22" name="Picture 21">
+            <a:extLst>
+              <a:ext uri="{FF2B5EF4-FFF2-40B4-BE49-F238E27FC236}">
+                <a16:creationId xmlns:a16="http://schemas.microsoft.com/office/drawing/2014/main" id="{E57528AE-9818-4254-0D60-3AEC63D4E319}"/>
+              </a:ext>
+            </a:extLst>
+          </p:cNvPr>
+          <p:cNvPicPr>
+            <a:picLocks noChangeAspect="1"/>
+          </p:cNvPicPr>
+          <p:nvPr/>
+        </p:nvPicPr>
+        <p:blipFill>
+          <a:blip r:embed="rId6"/>
+          <a:stretch>
+            <a:fillRect/>
+          </a:stretch>
+        </p:blipFill>
+        <p:spPr>
+          <a:xfrm>
+            <a:off x="7299720" y="2219369"/>
+            <a:ext cx="1155167" cy="372271"/>
+          </a:xfrm>
+          <a:prstGeom prst="rect">
+            <a:avLst/>
+          </a:prstGeom>
+        </p:spPr>
+      </p:pic>
+      <p:pic>
+        <p:nvPicPr>
+          <p:cNvPr id="25" name="Picture 24">
+            <a:extLst>
+              <a:ext uri="{FF2B5EF4-FFF2-40B4-BE49-F238E27FC236}">
+                <a16:creationId xmlns:a16="http://schemas.microsoft.com/office/drawing/2014/main" id="{DD9103AE-D243-26F9-402F-7AEDAC2E34D0}"/>
+              </a:ext>
+            </a:extLst>
+          </p:cNvPr>
+          <p:cNvPicPr>
+            <a:picLocks noChangeAspect="1"/>
+          </p:cNvPicPr>
+          <p:nvPr/>
+        </p:nvPicPr>
+        <p:blipFill>
+          <a:blip r:embed="rId7"/>
+          <a:stretch>
+            <a:fillRect/>
+          </a:stretch>
+        </p:blipFill>
+        <p:spPr>
+          <a:xfrm>
+            <a:off x="7299720" y="2637086"/>
+            <a:ext cx="1062402" cy="612924"/>
+          </a:xfrm>
+          <a:prstGeom prst="rect">
+            <a:avLst/>
+          </a:prstGeom>
+        </p:spPr>
+      </p:pic>
+      <p:pic>
+        <p:nvPicPr>
+          <p:cNvPr id="27" name="Picture 26">
+            <a:extLst>
+              <a:ext uri="{FF2B5EF4-FFF2-40B4-BE49-F238E27FC236}">
+                <a16:creationId xmlns:a16="http://schemas.microsoft.com/office/drawing/2014/main" id="{960581A9-AAAB-4FBC-DFFB-210AE2E8BE03}"/>
+              </a:ext>
+            </a:extLst>
+          </p:cNvPr>
+          <p:cNvPicPr>
+            <a:picLocks noChangeAspect="1"/>
+          </p:cNvPicPr>
+          <p:nvPr/>
+        </p:nvPicPr>
+        <p:blipFill>
+          <a:blip r:embed="rId8"/>
+          <a:stretch>
+            <a:fillRect/>
+          </a:stretch>
+        </p:blipFill>
+        <p:spPr>
+          <a:xfrm>
+            <a:off x="7298259" y="3369020"/>
+            <a:ext cx="1146114" cy="284290"/>
+          </a:xfrm>
+          <a:prstGeom prst="rect">
+            <a:avLst/>
+          </a:prstGeom>
+        </p:spPr>
+      </p:pic>
+      <p:cxnSp>
+        <p:nvCxnSpPr>
+          <p:cNvPr id="35" name="Straight Connector 34">
+            <a:extLst>
+              <a:ext uri="{FF2B5EF4-FFF2-40B4-BE49-F238E27FC236}">
+                <a16:creationId xmlns:a16="http://schemas.microsoft.com/office/drawing/2014/main" id="{5E5D52DB-9C4C-6321-307B-FD7F674C7C85}"/>
+              </a:ext>
+            </a:extLst>
+          </p:cNvPr>
+          <p:cNvCxnSpPr>
+            <a:cxnSpLocks/>
+          </p:cNvCxnSpPr>
+          <p:nvPr/>
+        </p:nvCxnSpPr>
+        <p:spPr>
+          <a:xfrm>
+            <a:off x="2709258" y="3583522"/>
+            <a:ext cx="4470431" cy="0"/>
+          </a:xfrm>
+          <a:prstGeom prst="line">
+            <a:avLst/>
+          </a:prstGeom>
+          <a:ln>
+            <a:solidFill>
+              <a:schemeClr val="dk1">
+                <a:alpha val="24989"/>
+              </a:schemeClr>
+            </a:solidFill>
+            <a:prstDash val="dash"/>
+          </a:ln>
+        </p:spPr>
+        <p:style>
+          <a:lnRef idx="1">
+            <a:schemeClr val="dk1"/>
+          </a:lnRef>
+          <a:fillRef idx="0">
+            <a:schemeClr val="dk1"/>
+          </a:fillRef>
+          <a:effectRef idx="0">
+            <a:schemeClr val="dk1"/>
+          </a:effectRef>
+          <a:fontRef idx="minor">
+            <a:schemeClr val="tx1"/>
+          </a:fontRef>
+        </p:style>
+      </p:cxnSp>
+      <p:pic>
+        <p:nvPicPr>
+          <p:cNvPr id="37" name="Picture 36">
+            <a:extLst>
+              <a:ext uri="{FF2B5EF4-FFF2-40B4-BE49-F238E27FC236}">
+                <a16:creationId xmlns:a16="http://schemas.microsoft.com/office/drawing/2014/main" id="{7739C95D-3A9D-ABC8-C531-6D139C36D2E9}"/>
+              </a:ext>
+            </a:extLst>
+          </p:cNvPr>
+          <p:cNvPicPr>
+            <a:picLocks noChangeAspect="1"/>
+          </p:cNvPicPr>
+          <p:nvPr/>
+        </p:nvPicPr>
+        <p:blipFill>
+          <a:blip r:embed="rId9"/>
+          <a:stretch>
+            <a:fillRect/>
+          </a:stretch>
+        </p:blipFill>
+        <p:spPr>
+          <a:xfrm>
+            <a:off x="7298259" y="3754388"/>
+            <a:ext cx="1269918" cy="324920"/>
+          </a:xfrm>
+          <a:prstGeom prst="rect">
+            <a:avLst/>
+          </a:prstGeom>
+        </p:spPr>
+      </p:pic>
+      <p:pic>
+        <p:nvPicPr>
+          <p:cNvPr id="39" name="Picture 38">
+            <a:extLst>
+              <a:ext uri="{FF2B5EF4-FFF2-40B4-BE49-F238E27FC236}">
+                <a16:creationId xmlns:a16="http://schemas.microsoft.com/office/drawing/2014/main" id="{696D47FD-102E-617F-E9E9-AE021D53D0A4}"/>
+              </a:ext>
+            </a:extLst>
+          </p:cNvPr>
+          <p:cNvPicPr>
+            <a:picLocks noChangeAspect="1"/>
+          </p:cNvPicPr>
+          <p:nvPr/>
+        </p:nvPicPr>
+        <p:blipFill>
+          <a:blip r:embed="rId10"/>
+          <a:stretch>
+            <a:fillRect/>
+          </a:stretch>
+        </p:blipFill>
+        <p:spPr>
+          <a:xfrm>
+            <a:off x="7317027" y="4217229"/>
+            <a:ext cx="1079709" cy="293124"/>
+          </a:xfrm>
+          <a:prstGeom prst="rect">
+            <a:avLst/>
+          </a:prstGeom>
+        </p:spPr>
+      </p:pic>
+      <p:pic>
+        <p:nvPicPr>
+          <p:cNvPr id="41" name="Picture 40">
+            <a:extLst>
+              <a:ext uri="{FF2B5EF4-FFF2-40B4-BE49-F238E27FC236}">
+                <a16:creationId xmlns:a16="http://schemas.microsoft.com/office/drawing/2014/main" id="{6D1BFCFC-2457-2390-2E86-A5C7EA1347F7}"/>
+              </a:ext>
+            </a:extLst>
+          </p:cNvPr>
+          <p:cNvPicPr>
+            <a:picLocks noChangeAspect="1"/>
+          </p:cNvPicPr>
+          <p:nvPr/>
+        </p:nvPicPr>
+        <p:blipFill>
+          <a:blip r:embed="rId11"/>
+          <a:stretch>
+            <a:fillRect/>
+          </a:stretch>
+        </p:blipFill>
+        <p:spPr>
+          <a:xfrm>
+            <a:off x="7317027" y="4685595"/>
+            <a:ext cx="1062402" cy="520826"/>
+          </a:xfrm>
+          <a:prstGeom prst="rect">
+            <a:avLst/>
+          </a:prstGeom>
+        </p:spPr>
+      </p:pic>
+      <p:pic>
+        <p:nvPicPr>
+          <p:cNvPr id="46" name="Picture 45">
+            <a:extLst>
+              <a:ext uri="{FF2B5EF4-FFF2-40B4-BE49-F238E27FC236}">
+                <a16:creationId xmlns:a16="http://schemas.microsoft.com/office/drawing/2014/main" id="{A831AF1D-099C-DF35-B207-840F4904234B}"/>
+              </a:ext>
+            </a:extLst>
+          </p:cNvPr>
+          <p:cNvPicPr>
+            <a:picLocks noChangeAspect="1"/>
+          </p:cNvPicPr>
+          <p:nvPr/>
+        </p:nvPicPr>
+        <p:blipFill>
+          <a:blip r:embed="rId12"/>
+          <a:stretch>
+            <a:fillRect/>
+          </a:stretch>
+        </p:blipFill>
+        <p:spPr>
+          <a:xfrm>
+            <a:off x="7298259" y="5500932"/>
+            <a:ext cx="931341" cy="641350"/>
+          </a:xfrm>
+          <a:prstGeom prst="rect">
+            <a:avLst/>
+          </a:prstGeom>
+        </p:spPr>
+      </p:pic>
+      <p:pic>
+        <p:nvPicPr>
+          <p:cNvPr id="7" name="Picture 6">
+            <a:extLst>
+              <a:ext uri="{FF2B5EF4-FFF2-40B4-BE49-F238E27FC236}">
+                <a16:creationId xmlns:a16="http://schemas.microsoft.com/office/drawing/2014/main" id="{2EE13B4B-B74E-6010-AE99-49602C3DE8E4}"/>
+              </a:ext>
+            </a:extLst>
+          </p:cNvPr>
+          <p:cNvPicPr>
+            <a:picLocks noChangeAspect="1"/>
+          </p:cNvPicPr>
+          <p:nvPr/>
+        </p:nvPicPr>
+        <p:blipFill rotWithShape="1">
+          <a:blip r:embed="rId13"/>
+          <a:srcRect t="8586" r="6198" b="11181"/>
+          <a:stretch/>
+        </p:blipFill>
+        <p:spPr>
+          <a:xfrm>
+            <a:off x="118672" y="552224"/>
+            <a:ext cx="2633450" cy="5502384"/>
           </a:xfrm>
           <a:prstGeom prst="rect">
             <a:avLst/>
@@ -3451,7 +4055,7 @@
     </p:spTree>
     <p:extLst>
       <p:ext uri="{BB962C8B-B14F-4D97-AF65-F5344CB8AC3E}">
-        <p14:creationId xmlns:p14="http://schemas.microsoft.com/office/powerpoint/2010/main" val="1725253805"/>
+        <p14:creationId xmlns:p14="http://schemas.microsoft.com/office/powerpoint/2010/main" val="2298972492"/>
       </p:ext>
     </p:extLst>
   </p:cSld>
